--- a/gerechter_krieg_ethik.pptx
+++ b/gerechter_krieg_ethik.pptx
@@ -3659,6 +3659,49 @@
               <a:t>		den verletzten Rechtszustand wiederherstellen und Schäden wiedergutmachen </a:t>
             </a:r>
           </a:p>
+          <a:p>
+            <a:endParaRPr lang="de-DE" dirty="0"/>
+          </a:p>
+          <a:p>
+            <a:r>
+              <a:rPr lang="de-DE" dirty="0"/>
+              <a:t>Mittelalter:	die Vollmacht des Fürsten Krieg zu erklären und zu führen</a:t>
+            </a:r>
+          </a:p>
+          <a:p>
+            <a:r>
+              <a:rPr lang="de-DE" dirty="0"/>
+              <a:t>	den gerechten Grund zum Krieg </a:t>
+            </a:r>
+          </a:p>
+          <a:p>
+            <a:r>
+              <a:rPr lang="de-DE" dirty="0"/>
+              <a:t>	die rechte Absicht der Kriegsführer</a:t>
+            </a:r>
+          </a:p>
+          <a:p>
+            <a:endParaRPr lang="de-DE" dirty="0"/>
+          </a:p>
+          <a:p>
+            <a:r>
+              <a:rPr lang="de-DE" dirty="0"/>
+              <a:t>Franz. Rev.:	da uneingeschränktes Kriegsrecht -&gt; Fokus auf </a:t>
+            </a:r>
+            <a:r>
+              <a:rPr lang="de-DE" dirty="0" err="1"/>
+              <a:t>ius</a:t>
+            </a:r>
+            <a:r>
+              <a:rPr lang="de-DE" dirty="0"/>
+              <a:t> in </a:t>
+            </a:r>
+            <a:r>
+              <a:rPr lang="de-DE" dirty="0" err="1"/>
+              <a:t>bello</a:t>
+            </a:r>
+            <a:endParaRPr lang="de-DE" dirty="0"/>
+          </a:p>
         </p:txBody>
       </p:sp>
       <p:sp>
@@ -10084,6 +10127,45 @@
               <a:t>Cicero benannte fünf Bedingungen für einen gerechten Krieg</a:t>
             </a:r>
           </a:p>
+          <a:p>
+            <a:pPr>
+              <a:buFont typeface="Arial" panose="020B0604020202020204" pitchFamily="34" charset="0"/>
+              <a:buChar char="•"/>
+            </a:pPr>
+            <a:r>
+              <a:rPr lang="de-DE" dirty="0"/>
+              <a:t>Im Christentum sind gerechte Gründe zum Krieg die Sünden des Geistes, d.h. Denk- und Existenzweisen</a:t>
+            </a:r>
+          </a:p>
+          <a:p>
+            <a:pPr>
+              <a:buFont typeface="Arial" panose="020B0604020202020204" pitchFamily="34" charset="0"/>
+              <a:buChar char="•"/>
+            </a:pPr>
+            <a:r>
+              <a:rPr lang="de-DE" dirty="0"/>
+              <a:t>Im Mittelalter waren nur noch drei Bedingungen ausschlaggebend</a:t>
+            </a:r>
+          </a:p>
+          <a:p>
+            <a:pPr>
+              <a:buFont typeface="Arial" panose="020B0604020202020204" pitchFamily="34" charset="0"/>
+              <a:buChar char="•"/>
+            </a:pPr>
+            <a:r>
+              <a:rPr lang="de-DE" dirty="0"/>
+              <a:t>Nach der franz. Revolution wurde in Recht zum/im Krieg unterschieden,</a:t>
+            </a:r>
+          </a:p>
+          <a:p>
+            <a:pPr marL="0" indent="0">
+              <a:buNone/>
+            </a:pPr>
+            <a:r>
+              <a:rPr lang="de-DE" dirty="0"/>
+              <a:t>     souveräne Staaten hatten allerdings ein uneingeschränktes Kriegsrecht</a:t>
+            </a:r>
+          </a:p>
         </p:txBody>
       </p:sp>
     </p:spTree>
@@ -10388,7 +10470,7 @@
           <a:p>
             <a:r>
               <a:rPr lang="de-DE" dirty="0"/>
-              <a:t>Quellen</a:t>
+              <a:t>Literaturverzeichnis</a:t>
             </a:r>
           </a:p>
         </p:txBody>
@@ -10411,12 +10493,14 @@
         </p:nvSpPr>
         <p:spPr>
           <a:xfrm>
-            <a:off x="677334" y="2160589"/>
-            <a:ext cx="8596668" cy="3880773"/>
+            <a:off x="451413" y="1930401"/>
+            <a:ext cx="9005104" cy="4389376"/>
           </a:xfrm>
         </p:spPr>
         <p:txBody>
-          <a:bodyPr/>
+          <a:bodyPr>
+            <a:normAutofit/>
+          </a:bodyPr>
           <a:lstStyle/>
           <a:p>
             <a:pPr>
@@ -10538,6 +10622,16 @@
             <a:r>
               <a:rPr lang="de-DE" dirty="0"/>
               <a:t>, Herder Verlag, Freiburg/Basel/Wien 1983</a:t>
+            </a:r>
+          </a:p>
+          <a:p>
+            <a:pPr>
+              <a:buFont typeface="Arial" panose="020B0604020202020204" pitchFamily="34" charset="0"/>
+              <a:buChar char="•"/>
+            </a:pPr>
+            <a:r>
+              <a:rPr lang="de-DE" dirty="0"/>
+              <a:t>4 Ulrike Kleemeier: „Grundfragen einer philosophischen Theorie des Krieges: Platon – Hobbes – Clausewitz“. Berlin: Akademie Verlag 2002</a:t>
             </a:r>
           </a:p>
         </p:txBody>

--- a/gerechter_krieg_ethik.pptx
+++ b/gerechter_krieg_ethik.pptx
@@ -5,7 +5,7 @@
     <p:sldMasterId id="2147483660" r:id="rId1"/>
   </p:sldMasterIdLst>
   <p:notesMasterIdLst>
-    <p:notesMasterId r:id="rId11"/>
+    <p:notesMasterId r:id="rId12"/>
   </p:notesMasterIdLst>
   <p:sldIdLst>
     <p:sldId id="256" r:id="rId2"/>
@@ -14,9 +14,10 @@
     <p:sldId id="264" r:id="rId5"/>
     <p:sldId id="259" r:id="rId6"/>
     <p:sldId id="260" r:id="rId7"/>
-    <p:sldId id="261" r:id="rId8"/>
-    <p:sldId id="262" r:id="rId9"/>
-    <p:sldId id="263" r:id="rId10"/>
+    <p:sldId id="265" r:id="rId8"/>
+    <p:sldId id="261" r:id="rId9"/>
+    <p:sldId id="262" r:id="rId10"/>
+    <p:sldId id="263" r:id="rId11"/>
   </p:sldIdLst>
   <p:sldSz cx="12192000" cy="6858000"/>
   <p:notesSz cx="6858000" cy="9144000"/>
@@ -3490,7 +3491,7 @@
           <a:p>
             <a:r>
               <a:rPr lang="de-DE" dirty="0"/>
-              <a:t>Platon: 	nannte nicht den Begriff</a:t>
+              <a:t>Platon: 	nannte nicht den Begriff gerechter Krieg</a:t>
             </a:r>
           </a:p>
           <a:p>
@@ -3805,7 +3806,7 @@
           <a:p>
             <a:fld id="{58E666B9-4344-43B6-96B9-A8A1D210774A}" type="slidenum">
               <a:rPr lang="de-DE" smtClean="0"/>
-              <a:t>9</a:t>
+              <a:t>10</a:t>
             </a:fld>
             <a:endParaRPr lang="de-DE"/>
           </a:p>
@@ -9607,6 +9608,235 @@
 </p:sld>
 </file>
 
+<file path=ppt/slides/slide10.xml><?xml version="1.0" encoding="utf-8"?>
+<p:sld xmlns:a="http://schemas.openxmlformats.org/drawingml/2006/main" xmlns:r="http://schemas.openxmlformats.org/officeDocument/2006/relationships" xmlns:p="http://schemas.openxmlformats.org/presentationml/2006/main">
+  <p:cSld>
+    <p:spTree>
+      <p:nvGrpSpPr>
+        <p:cNvPr id="1" name=""/>
+        <p:cNvGrpSpPr/>
+        <p:nvPr/>
+      </p:nvGrpSpPr>
+      <p:grpSpPr>
+        <a:xfrm>
+          <a:off x="0" y="0"/>
+          <a:ext cx="0" cy="0"/>
+          <a:chOff x="0" y="0"/>
+          <a:chExt cx="0" cy="0"/>
+        </a:xfrm>
+      </p:grpSpPr>
+      <p:sp>
+        <p:nvSpPr>
+          <p:cNvPr id="2" name="Titel 1">
+            <a:extLst>
+              <a:ext uri="{FF2B5EF4-FFF2-40B4-BE49-F238E27FC236}">
+                <a16:creationId xmlns:a16="http://schemas.microsoft.com/office/drawing/2014/main" id="{4833D1F1-B0EF-4B29-AC2E-A7DB2EF47C00}"/>
+              </a:ext>
+            </a:extLst>
+          </p:cNvPr>
+          <p:cNvSpPr>
+            <a:spLocks noGrp="1"/>
+          </p:cNvSpPr>
+          <p:nvPr>
+            <p:ph type="title"/>
+          </p:nvPr>
+        </p:nvSpPr>
+        <p:spPr/>
+        <p:txBody>
+          <a:bodyPr/>
+          <a:lstStyle/>
+          <a:p>
+            <a:r>
+              <a:rPr lang="de-DE" dirty="0"/>
+              <a:t>Literaturverzeichnis</a:t>
+            </a:r>
+          </a:p>
+        </p:txBody>
+      </p:sp>
+      <p:sp>
+        <p:nvSpPr>
+          <p:cNvPr id="3" name="Inhaltsplatzhalter 2">
+            <a:extLst>
+              <a:ext uri="{FF2B5EF4-FFF2-40B4-BE49-F238E27FC236}">
+                <a16:creationId xmlns:a16="http://schemas.microsoft.com/office/drawing/2014/main" id="{4D0AA292-6E27-4D41-8B2D-B0C7B0992275}"/>
+              </a:ext>
+            </a:extLst>
+          </p:cNvPr>
+          <p:cNvSpPr>
+            <a:spLocks noGrp="1"/>
+          </p:cNvSpPr>
+          <p:nvPr>
+            <p:ph idx="1"/>
+          </p:nvPr>
+        </p:nvSpPr>
+        <p:spPr>
+          <a:xfrm>
+            <a:off x="451413" y="1930401"/>
+            <a:ext cx="9005104" cy="4389376"/>
+          </a:xfrm>
+        </p:spPr>
+        <p:txBody>
+          <a:bodyPr>
+            <a:normAutofit lnSpcReduction="10000"/>
+          </a:bodyPr>
+          <a:lstStyle/>
+          <a:p>
+            <a:pPr>
+              <a:buFont typeface="Arial" panose="020B0604020202020204" pitchFamily="34" charset="0"/>
+              <a:buChar char="•"/>
+            </a:pPr>
+            <a:r>
+              <a:rPr lang="de-DE" dirty="0"/>
+              <a:t>Matija </a:t>
+            </a:r>
+            <a:r>
+              <a:rPr lang="de-DE" dirty="0" err="1"/>
+              <a:t>Gašparević</a:t>
+            </a:r>
+            <a:r>
+              <a:rPr lang="de-DE" dirty="0"/>
+              <a:t>: </a:t>
+            </a:r>
+            <a:r>
+              <a:rPr lang="de-DE" i="1" dirty="0"/>
+              <a:t>Die Lehre vom gerechten Krieg und die Risiken des 21. Jahrhunderts – der </a:t>
+            </a:r>
+            <a:r>
+              <a:rPr lang="de-DE" i="1" dirty="0" err="1"/>
+              <a:t>Präemptivkrieg</a:t>
+            </a:r>
+            <a:r>
+              <a:rPr lang="de-DE" i="1" dirty="0"/>
+              <a:t> und die militärische humanitäre Intervention</a:t>
+            </a:r>
+            <a:r>
+              <a:rPr lang="de-DE" dirty="0"/>
+              <a:t>, 12. Juli 2010</a:t>
+            </a:r>
+          </a:p>
+          <a:p>
+            <a:pPr>
+              <a:buFont typeface="Arial" panose="020B0604020202020204" pitchFamily="34" charset="0"/>
+              <a:buChar char="•"/>
+            </a:pPr>
+            <a:r>
+              <a:rPr lang="de-DE" dirty="0"/>
+              <a:t>Tim Aichele : </a:t>
+            </a:r>
+            <a:r>
+              <a:rPr lang="de-DE" i="1" dirty="0"/>
+              <a:t>Gerechter Krieg</a:t>
+            </a:r>
+            <a:r>
+              <a:rPr lang="de-DE" dirty="0"/>
+              <a:t>, 3. Mai 2017</a:t>
+            </a:r>
+          </a:p>
+          <a:p>
+            <a:pPr>
+              <a:buFont typeface="Arial" panose="020B0604020202020204" pitchFamily="34" charset="0"/>
+              <a:buChar char="•"/>
+            </a:pPr>
+            <a:r>
+              <a:rPr lang="de-DE" dirty="0"/>
+              <a:t>Ulrike Kleemeier: </a:t>
+            </a:r>
+            <a:r>
+              <a:rPr lang="de-DE" i="1" dirty="0"/>
+              <a:t>Grundfragen einer philosophischen Theorie des Krieges</a:t>
+            </a:r>
+            <a:r>
+              <a:rPr lang="de-DE" dirty="0"/>
+              <a:t>, Akademie Verlag</a:t>
+            </a:r>
+          </a:p>
+          <a:p>
+            <a:pPr>
+              <a:buFont typeface="Arial" panose="020B0604020202020204" pitchFamily="34" charset="0"/>
+              <a:buChar char="•"/>
+            </a:pPr>
+            <a:r>
+              <a:rPr lang="de-DE" dirty="0"/>
+              <a:t>Aristoteles: </a:t>
+            </a:r>
+            <a:r>
+              <a:rPr lang="de-DE" i="1" dirty="0"/>
+              <a:t>Hauptwerke – Ausgewählt übersetzt und eingeleitet von Wilhelm Nestle</a:t>
+            </a:r>
+            <a:r>
+              <a:rPr lang="de-DE" dirty="0"/>
+              <a:t>, Alfred Kröner Verlag, Stuttgart 1977</a:t>
+            </a:r>
+          </a:p>
+          <a:p>
+            <a:pPr>
+              <a:buFont typeface="Arial" panose="020B0604020202020204" pitchFamily="34" charset="0"/>
+              <a:buChar char="•"/>
+            </a:pPr>
+            <a:r>
+              <a:rPr lang="de-DE" dirty="0"/>
+              <a:t>Cicero: </a:t>
+            </a:r>
+            <a:r>
+              <a:rPr lang="de-DE" i="1" dirty="0"/>
+              <a:t>De </a:t>
+            </a:r>
+            <a:r>
+              <a:rPr lang="de-DE" i="1" dirty="0" err="1"/>
+              <a:t>re</a:t>
+            </a:r>
+            <a:r>
+              <a:rPr lang="de-DE" i="1" dirty="0"/>
+              <a:t> publica</a:t>
+            </a:r>
+            <a:r>
+              <a:rPr lang="de-DE" dirty="0"/>
+              <a:t> III, 35; nach Bernhard Häring: </a:t>
+            </a:r>
+            <a:r>
+              <a:rPr lang="de-DE" i="1" dirty="0"/>
+              <a:t>Umrüsten zu Frieden</a:t>
+            </a:r>
+            <a:r>
+              <a:rPr lang="de-DE" dirty="0"/>
+              <a:t>, Herder Verlag, Freiburg/Basel/Wien 1983</a:t>
+            </a:r>
+          </a:p>
+          <a:p>
+            <a:pPr>
+              <a:buFont typeface="Arial" panose="020B0604020202020204" pitchFamily="34" charset="0"/>
+              <a:buChar char="•"/>
+            </a:pPr>
+            <a:r>
+              <a:rPr lang="de-DE" dirty="0"/>
+              <a:t>4 Ulrike Kleemeier: „Grundfragen einer philosophischen Theorie des Krieges: Platon – Hobbes – Clausewitz“. Berlin: Akademie Verlag 2002</a:t>
+            </a:r>
+          </a:p>
+          <a:p>
+            <a:pPr>
+              <a:buFont typeface="Arial" panose="020B0604020202020204" pitchFamily="34" charset="0"/>
+              <a:buChar char="•"/>
+            </a:pPr>
+            <a:r>
+              <a:rPr lang="de-DE" dirty="0"/>
+              <a:t>www.proverbia-iuris.de, abgerufen: 29.06.17</a:t>
+            </a:r>
+          </a:p>
+        </p:txBody>
+      </p:sp>
+    </p:spTree>
+    <p:extLst>
+      <p:ext uri="{BB962C8B-B14F-4D97-AF65-F5344CB8AC3E}">
+        <p14:creationId xmlns:p14="http://schemas.microsoft.com/office/powerpoint/2010/main" val="527066266"/>
+      </p:ext>
+    </p:extLst>
+  </p:cSld>
+  <p:clrMapOvr>
+    <a:masterClrMapping/>
+  </p:clrMapOvr>
+</p:sld>
+</file>
+
 <file path=ppt/slides/slide2.xml><?xml version="1.0" encoding="utf-8"?>
 <p:sld xmlns:a="http://schemas.openxmlformats.org/drawingml/2006/main" xmlns:r="http://schemas.openxmlformats.org/officeDocument/2006/relationships" xmlns:p="http://schemas.openxmlformats.org/presentationml/2006/main">
   <p:cSld>
@@ -10166,6 +10396,16 @@
               <a:t>     souveräne Staaten hatten allerdings ein uneingeschränktes Kriegsrecht</a:t>
             </a:r>
           </a:p>
+          <a:p>
+            <a:pPr>
+              <a:buFont typeface="Arial" panose="020B0604020202020204" pitchFamily="34" charset="0"/>
+              <a:buChar char="•"/>
+            </a:pPr>
+            <a:r>
+              <a:rPr lang="de-DE" dirty="0"/>
+              <a:t>Die Lehre des gerechten Krieges wird in das Völkerrecht aufgenommen</a:t>
+            </a:r>
+          </a:p>
         </p:txBody>
       </p:sp>
     </p:spTree>
@@ -10247,7 +10487,107 @@
           <a:bodyPr/>
           <a:lstStyle/>
           <a:p>
-            <a:endParaRPr lang="de-DE"/>
+            <a:pPr>
+              <a:buFont typeface="Arial" panose="020B0604020202020204" pitchFamily="34" charset="0"/>
+              <a:buChar char="•"/>
+            </a:pPr>
+            <a:r>
+              <a:rPr lang="de-DE" dirty="0"/>
+              <a:t>Kriegsvölkerrecht hat die Lehre des gerechten Krieges übernommen</a:t>
+            </a:r>
+          </a:p>
+          <a:p>
+            <a:pPr>
+              <a:buFont typeface="Arial" panose="020B0604020202020204" pitchFamily="34" charset="0"/>
+              <a:buChar char="•"/>
+            </a:pPr>
+            <a:r>
+              <a:rPr lang="de-DE" dirty="0"/>
+              <a:t>Regeln in der Charta der Vereinten Nationen festgesetzt</a:t>
+            </a:r>
+          </a:p>
+          <a:p>
+            <a:pPr>
+              <a:buFont typeface="Arial" panose="020B0604020202020204" pitchFamily="34" charset="0"/>
+              <a:buChar char="•"/>
+            </a:pPr>
+            <a:r>
+              <a:rPr lang="de-DE" dirty="0"/>
+              <a:t>Regeln werden vom internationalen Gerichtshof in Den Haag kontrolliert</a:t>
+            </a:r>
+          </a:p>
+          <a:p>
+            <a:pPr>
+              <a:buFont typeface="Arial" panose="020B0604020202020204" pitchFamily="34" charset="0"/>
+              <a:buChar char="•"/>
+            </a:pPr>
+            <a:r>
+              <a:rPr lang="de-DE" dirty="0"/>
+              <a:t>Unterteilung in Recht zum Krieg (</a:t>
+            </a:r>
+            <a:r>
+              <a:rPr lang="de-DE" dirty="0" err="1"/>
+              <a:t>Ius</a:t>
+            </a:r>
+            <a:r>
+              <a:rPr lang="de-DE" dirty="0"/>
+              <a:t> ad </a:t>
+            </a:r>
+            <a:r>
+              <a:rPr lang="de-DE" dirty="0" err="1"/>
+              <a:t>bellum</a:t>
+            </a:r>
+            <a:r>
+              <a:rPr lang="de-DE" dirty="0"/>
+              <a:t>) und Recht im Krieg (</a:t>
+            </a:r>
+            <a:r>
+              <a:rPr lang="de-DE" dirty="0" err="1"/>
+              <a:t>Ius</a:t>
+            </a:r>
+            <a:r>
+              <a:rPr lang="de-DE" dirty="0"/>
+              <a:t> in </a:t>
+            </a:r>
+            <a:r>
+              <a:rPr lang="de-DE" dirty="0" err="1"/>
+              <a:t>bello</a:t>
+            </a:r>
+            <a:r>
+              <a:rPr lang="de-DE" dirty="0"/>
+              <a:t>)</a:t>
+            </a:r>
+          </a:p>
+          <a:p>
+            <a:pPr>
+              <a:buFont typeface="Arial" panose="020B0604020202020204" pitchFamily="34" charset="0"/>
+              <a:buChar char="•"/>
+            </a:pPr>
+            <a:r>
+              <a:rPr lang="de-DE" dirty="0"/>
+              <a:t>Neun Kriterien zur Moralischen Bewertung eines Krieges</a:t>
+            </a:r>
+          </a:p>
+          <a:p>
+            <a:pPr>
+              <a:buFont typeface="Arial" panose="020B0604020202020204" pitchFamily="34" charset="0"/>
+              <a:buChar char="•"/>
+            </a:pPr>
+            <a:endParaRPr lang="de-DE" dirty="0"/>
+          </a:p>
+          <a:p>
+            <a:pPr>
+              <a:buFont typeface="Arial" panose="020B0604020202020204" pitchFamily="34" charset="0"/>
+              <a:buChar char="•"/>
+            </a:pPr>
+            <a:endParaRPr lang="de-DE" dirty="0"/>
+          </a:p>
+          <a:p>
+            <a:pPr>
+              <a:buFont typeface="Arial" panose="020B0604020202020204" pitchFamily="34" charset="0"/>
+              <a:buChar char="•"/>
+            </a:pPr>
+            <a:endParaRPr lang="de-DE" dirty="0"/>
           </a:p>
         </p:txBody>
       </p:sp>
@@ -10286,7 +10626,7 @@
           <p:cNvPr id="2" name="Titel 1">
             <a:extLst>
               <a:ext uri="{FF2B5EF4-FFF2-40B4-BE49-F238E27FC236}">
-                <a16:creationId xmlns:a16="http://schemas.microsoft.com/office/drawing/2014/main" id="{50148324-D86A-4290-8711-D17DB9B86CF5}"/>
+                <a16:creationId xmlns:a16="http://schemas.microsoft.com/office/drawing/2014/main" id="{5A818EDA-D5DE-4EAB-9D27-22A1DB24CA79}"/>
               </a:ext>
             </a:extLst>
           </p:cNvPr>
@@ -10304,17 +10644,17 @@
           <a:p>
             <a:r>
               <a:rPr lang="de-DE" dirty="0"/>
-              <a:t>Ethische Begründungen</a:t>
-            </a:r>
-          </a:p>
-        </p:txBody>
-      </p:sp>
-      <p:sp>
-        <p:nvSpPr>
-          <p:cNvPr id="3" name="Inhaltsplatzhalter 2">
+              <a:t>Aktuelle Lage</a:t>
+            </a:r>
+          </a:p>
+        </p:txBody>
+      </p:sp>
+      <p:sp>
+        <p:nvSpPr>
+          <p:cNvPr id="4" name="Textplatzhalter 3">
             <a:extLst>
               <a:ext uri="{FF2B5EF4-FFF2-40B4-BE49-F238E27FC236}">
-                <a16:creationId xmlns:a16="http://schemas.microsoft.com/office/drawing/2014/main" id="{6D64017F-652D-4E95-9226-BDD754B00284}"/>
+                <a16:creationId xmlns:a16="http://schemas.microsoft.com/office/drawing/2014/main" id="{95E481DB-683D-42E9-B3F2-56E4ABB798C7}"/>
               </a:ext>
             </a:extLst>
           </p:cNvPr>
@@ -10322,22 +10662,303 @@
             <a:spLocks noGrp="1"/>
           </p:cNvSpPr>
           <p:nvPr>
-            <p:ph idx="1"/>
-          </p:nvPr>
-        </p:nvSpPr>
-        <p:spPr/>
+            <p:ph type="body" idx="1"/>
+          </p:nvPr>
+        </p:nvSpPr>
+        <p:spPr>
+          <a:xfrm>
+            <a:off x="675745" y="1927243"/>
+            <a:ext cx="4185623" cy="576262"/>
+          </a:xfrm>
+        </p:spPr>
         <p:txBody>
           <a:bodyPr/>
           <a:lstStyle/>
           <a:p>
-            <a:endParaRPr lang="de-DE"/>
+            <a:r>
+              <a:rPr lang="de-DE" dirty="0" err="1"/>
+              <a:t>Ius</a:t>
+            </a:r>
+            <a:r>
+              <a:rPr lang="de-DE" dirty="0"/>
+              <a:t> ad </a:t>
+            </a:r>
+            <a:r>
+              <a:rPr lang="de-DE" dirty="0" err="1"/>
+              <a:t>bellum</a:t>
+            </a:r>
+            <a:endParaRPr lang="de-DE" dirty="0"/>
+          </a:p>
+        </p:txBody>
+      </p:sp>
+      <p:sp>
+        <p:nvSpPr>
+          <p:cNvPr id="5" name="Inhaltsplatzhalter 4">
+            <a:extLst>
+              <a:ext uri="{FF2B5EF4-FFF2-40B4-BE49-F238E27FC236}">
+                <a16:creationId xmlns:a16="http://schemas.microsoft.com/office/drawing/2014/main" id="{65724AEB-C70E-4DE3-A747-11897E338D2B}"/>
+              </a:ext>
+            </a:extLst>
+          </p:cNvPr>
+          <p:cNvSpPr>
+            <a:spLocks noGrp="1"/>
+          </p:cNvSpPr>
+          <p:nvPr>
+            <p:ph sz="half" idx="2"/>
+          </p:nvPr>
+        </p:nvSpPr>
+        <p:spPr>
+          <a:xfrm>
+            <a:off x="675745" y="2503504"/>
+            <a:ext cx="4185623" cy="4059341"/>
+          </a:xfrm>
+        </p:spPr>
+        <p:txBody>
+          <a:bodyPr>
+            <a:normAutofit fontScale="85000" lnSpcReduction="20000"/>
+          </a:bodyPr>
+          <a:lstStyle/>
+          <a:p>
+            <a:pPr>
+              <a:buFont typeface="Arial" panose="020B0604020202020204" pitchFamily="34" charset="0"/>
+              <a:buChar char="•"/>
+            </a:pPr>
+            <a:r>
+              <a:rPr lang="de-DE" sz="1900" dirty="0" err="1"/>
+              <a:t>legitima</a:t>
+            </a:r>
+            <a:r>
+              <a:rPr lang="de-DE" sz="1900" dirty="0"/>
+              <a:t> </a:t>
+            </a:r>
+            <a:r>
+              <a:rPr lang="de-DE" sz="1900" dirty="0" err="1"/>
+              <a:t>auctoritas</a:t>
+            </a:r>
+            <a:r>
+              <a:rPr lang="de-DE" sz="1900" dirty="0"/>
+              <a:t>:                         eine rechtmäßige Autorität</a:t>
+            </a:r>
+          </a:p>
+          <a:p>
+            <a:pPr>
+              <a:buFont typeface="Arial" panose="020B0604020202020204" pitchFamily="34" charset="0"/>
+              <a:buChar char="•"/>
+            </a:pPr>
+            <a:r>
+              <a:rPr lang="de-DE" sz="1900" dirty="0"/>
+              <a:t>causa </a:t>
+            </a:r>
+            <a:r>
+              <a:rPr lang="de-DE" sz="1900" dirty="0" err="1"/>
+              <a:t>iusta</a:t>
+            </a:r>
+            <a:r>
+              <a:rPr lang="de-DE" sz="1900" dirty="0"/>
+              <a:t>:                                     das Bestehen eines zulässigen und „gerechten“ Kriegsgrundes</a:t>
+            </a:r>
+          </a:p>
+          <a:p>
+            <a:pPr>
+              <a:buFont typeface="Arial" panose="020B0604020202020204" pitchFamily="34" charset="0"/>
+              <a:buChar char="•"/>
+            </a:pPr>
+            <a:r>
+              <a:rPr lang="de-DE" sz="1900" dirty="0" err="1"/>
+              <a:t>recta</a:t>
+            </a:r>
+            <a:r>
+              <a:rPr lang="de-DE" sz="1900" dirty="0"/>
+              <a:t> </a:t>
+            </a:r>
+            <a:r>
+              <a:rPr lang="de-DE" sz="1900" dirty="0" err="1"/>
+              <a:t>intentio</a:t>
+            </a:r>
+            <a:r>
+              <a:rPr lang="de-DE" sz="1900" dirty="0"/>
+              <a:t>:                                      die gerechte Absicht der kriegsführenden Parteien</a:t>
+            </a:r>
+          </a:p>
+          <a:p>
+            <a:pPr>
+              <a:buFont typeface="Arial" panose="020B0604020202020204" pitchFamily="34" charset="0"/>
+              <a:buChar char="•"/>
+            </a:pPr>
+            <a:r>
+              <a:rPr lang="de-DE" sz="1900" dirty="0" err="1"/>
+              <a:t>ultima</a:t>
+            </a:r>
+            <a:r>
+              <a:rPr lang="de-DE" sz="1900" dirty="0"/>
+              <a:t> </a:t>
+            </a:r>
+            <a:r>
+              <a:rPr lang="de-DE" sz="1900" dirty="0" err="1"/>
+              <a:t>ratio</a:t>
+            </a:r>
+            <a:r>
+              <a:rPr lang="de-DE" sz="1900" dirty="0"/>
+              <a:t>:                                    der Krieg musste das letzte Mittel zur Wiederherstellung des Rechts sein</a:t>
+            </a:r>
+          </a:p>
+          <a:p>
+            <a:pPr>
+              <a:buFont typeface="Arial" panose="020B0604020202020204" pitchFamily="34" charset="0"/>
+              <a:buChar char="•"/>
+            </a:pPr>
+            <a:r>
+              <a:rPr lang="de-DE" sz="1900" dirty="0" err="1"/>
+              <a:t>iustus</a:t>
+            </a:r>
+            <a:r>
+              <a:rPr lang="de-DE" sz="1900" dirty="0"/>
+              <a:t> </a:t>
+            </a:r>
+            <a:r>
+              <a:rPr lang="de-DE" sz="1900" dirty="0" err="1"/>
+              <a:t>finis</a:t>
+            </a:r>
+            <a:r>
+              <a:rPr lang="de-DE" sz="1900" dirty="0"/>
+              <a:t>:                                        es musste die Aussicht auf Frieden mit dem Kriegsgegner bestehen</a:t>
+            </a:r>
+          </a:p>
+          <a:p>
+            <a:pPr>
+              <a:buFont typeface="Arial" panose="020B0604020202020204" pitchFamily="34" charset="0"/>
+              <a:buChar char="•"/>
+            </a:pPr>
+            <a:r>
+              <a:rPr lang="de-DE" sz="1900" dirty="0" err="1"/>
+              <a:t>proportionalitas</a:t>
+            </a:r>
+            <a:r>
+              <a:rPr lang="de-DE" sz="1900" dirty="0"/>
+              <a:t>:                               die Verhältnismäßigkeit der Reaktion musste gewahr sein</a:t>
+            </a:r>
+          </a:p>
+          <a:p>
+            <a:pPr>
+              <a:buFont typeface="Arial" panose="020B0604020202020204" pitchFamily="34" charset="0"/>
+              <a:buChar char="•"/>
+            </a:pPr>
+            <a:endParaRPr lang="de-DE" dirty="0"/>
+          </a:p>
+        </p:txBody>
+      </p:sp>
+      <p:sp>
+        <p:nvSpPr>
+          <p:cNvPr id="6" name="Textplatzhalter 5">
+            <a:extLst>
+              <a:ext uri="{FF2B5EF4-FFF2-40B4-BE49-F238E27FC236}">
+                <a16:creationId xmlns:a16="http://schemas.microsoft.com/office/drawing/2014/main" id="{1CCF002B-99AA-4905-B7CA-F832955A447D}"/>
+              </a:ext>
+            </a:extLst>
+          </p:cNvPr>
+          <p:cNvSpPr>
+            <a:spLocks noGrp="1"/>
+          </p:cNvSpPr>
+          <p:nvPr>
+            <p:ph type="body" sz="quarter" idx="3"/>
+          </p:nvPr>
+        </p:nvSpPr>
+        <p:spPr>
+          <a:xfrm>
+            <a:off x="5088384" y="1927243"/>
+            <a:ext cx="4185618" cy="576262"/>
+          </a:xfrm>
+        </p:spPr>
+        <p:txBody>
+          <a:bodyPr/>
+          <a:lstStyle/>
+          <a:p>
+            <a:r>
+              <a:rPr lang="de-DE" dirty="0" err="1"/>
+              <a:t>Ius</a:t>
+            </a:r>
+            <a:r>
+              <a:rPr lang="de-DE" dirty="0"/>
+              <a:t> in </a:t>
+            </a:r>
+            <a:r>
+              <a:rPr lang="de-DE" dirty="0" err="1"/>
+              <a:t>bello</a:t>
+            </a:r>
+            <a:endParaRPr lang="de-DE" dirty="0"/>
+          </a:p>
+        </p:txBody>
+      </p:sp>
+      <p:sp>
+        <p:nvSpPr>
+          <p:cNvPr id="7" name="Inhaltsplatzhalter 6">
+            <a:extLst>
+              <a:ext uri="{FF2B5EF4-FFF2-40B4-BE49-F238E27FC236}">
+                <a16:creationId xmlns:a16="http://schemas.microsoft.com/office/drawing/2014/main" id="{7F0317A0-2E39-4B56-BBF0-B852F6178854}"/>
+              </a:ext>
+            </a:extLst>
+          </p:cNvPr>
+          <p:cNvSpPr>
+            <a:spLocks noGrp="1"/>
+          </p:cNvSpPr>
+          <p:nvPr>
+            <p:ph sz="quarter" idx="4"/>
+          </p:nvPr>
+        </p:nvSpPr>
+        <p:spPr>
+          <a:xfrm>
+            <a:off x="5088384" y="2503505"/>
+            <a:ext cx="4185617" cy="4059340"/>
+          </a:xfrm>
+        </p:spPr>
+        <p:txBody>
+          <a:bodyPr>
+            <a:normAutofit/>
+          </a:bodyPr>
+          <a:lstStyle/>
+          <a:p>
+            <a:pPr>
+              <a:buFont typeface="Arial" panose="020B0604020202020204" pitchFamily="34" charset="0"/>
+              <a:buChar char="•"/>
+            </a:pPr>
+            <a:r>
+              <a:rPr lang="de-DE" sz="1600" dirty="0"/>
+              <a:t>Das Prinzip der Verhältnismäßigkeit:   die angewendeten militärischen Mittel müsse in Bezug auf den Kriegsgrund verhältnismäßig sein</a:t>
+            </a:r>
+          </a:p>
+          <a:p>
+            <a:pPr>
+              <a:buFont typeface="Arial" panose="020B0604020202020204" pitchFamily="34" charset="0"/>
+              <a:buChar char="•"/>
+            </a:pPr>
+            <a:r>
+              <a:rPr lang="de-DE" sz="1600" dirty="0"/>
+              <a:t>das Diskriminierungsgebot:                   es muss zwischen der Zivilbevölkerung und den Kriegsteilnehmern unterschieden werden</a:t>
+            </a:r>
+          </a:p>
+          <a:p>
+            <a:pPr>
+              <a:buFont typeface="Arial" panose="020B0604020202020204" pitchFamily="34" charset="0"/>
+              <a:buChar char="•"/>
+            </a:pPr>
+            <a:r>
+              <a:rPr lang="de-DE" sz="1600" dirty="0"/>
+              <a:t>das Immunitätsprinzip:                      die Zivilbevölkerung ist in jedem Fall zu schützen.</a:t>
+            </a:r>
+          </a:p>
+          <a:p>
+            <a:pPr>
+              <a:buFont typeface="Arial" panose="020B0604020202020204" pitchFamily="34" charset="0"/>
+              <a:buChar char="•"/>
+            </a:pPr>
+            <a:endParaRPr lang="de-DE" dirty="0"/>
           </a:p>
         </p:txBody>
       </p:sp>
     </p:spTree>
     <p:extLst>
       <p:ext uri="{BB962C8B-B14F-4D97-AF65-F5344CB8AC3E}">
-        <p14:creationId xmlns:p14="http://schemas.microsoft.com/office/powerpoint/2010/main" val="97396413"/>
+        <p14:creationId xmlns:p14="http://schemas.microsoft.com/office/powerpoint/2010/main" val="590234812"/>
       </p:ext>
     </p:extLst>
   </p:cSld>
@@ -10387,7 +11008,7 @@
           <a:p>
             <a:r>
               <a:rPr lang="de-DE" dirty="0"/>
-              <a:t>Fazit</a:t>
+              <a:t>Ethische Begründungen</a:t>
             </a:r>
           </a:p>
         </p:txBody>
@@ -10420,7 +11041,7 @@
     </p:spTree>
     <p:extLst>
       <p:ext uri="{BB962C8B-B14F-4D97-AF65-F5344CB8AC3E}">
-        <p14:creationId xmlns:p14="http://schemas.microsoft.com/office/powerpoint/2010/main" val="1794649453"/>
+        <p14:creationId xmlns:p14="http://schemas.microsoft.com/office/powerpoint/2010/main" val="97396413"/>
       </p:ext>
     </p:extLst>
   </p:cSld>
@@ -10452,7 +11073,7 @@
           <p:cNvPr id="2" name="Titel 1">
             <a:extLst>
               <a:ext uri="{FF2B5EF4-FFF2-40B4-BE49-F238E27FC236}">
-                <a16:creationId xmlns:a16="http://schemas.microsoft.com/office/drawing/2014/main" id="{4833D1F1-B0EF-4B29-AC2E-A7DB2EF47C00}"/>
+                <a16:creationId xmlns:a16="http://schemas.microsoft.com/office/drawing/2014/main" id="{50148324-D86A-4290-8711-D17DB9B86CF5}"/>
               </a:ext>
             </a:extLst>
           </p:cNvPr>
@@ -10470,7 +11091,7 @@
           <a:p>
             <a:r>
               <a:rPr lang="de-DE" dirty="0"/>
-              <a:t>Literaturverzeichnis</a:t>
+              <a:t>Fazit</a:t>
             </a:r>
           </a:p>
         </p:txBody>
@@ -10480,7 +11101,7 @@
           <p:cNvPr id="3" name="Inhaltsplatzhalter 2">
             <a:extLst>
               <a:ext uri="{FF2B5EF4-FFF2-40B4-BE49-F238E27FC236}">
-                <a16:creationId xmlns:a16="http://schemas.microsoft.com/office/drawing/2014/main" id="{4D0AA292-6E27-4D41-8B2D-B0C7B0992275}"/>
+                <a16:creationId xmlns:a16="http://schemas.microsoft.com/office/drawing/2014/main" id="{6D64017F-652D-4E95-9226-BDD754B00284}"/>
               </a:ext>
             </a:extLst>
           </p:cNvPr>
@@ -10491,155 +11112,19 @@
             <p:ph idx="1"/>
           </p:nvPr>
         </p:nvSpPr>
-        <p:spPr>
-          <a:xfrm>
-            <a:off x="451413" y="1930401"/>
-            <a:ext cx="9005104" cy="4389376"/>
-          </a:xfrm>
-        </p:spPr>
-        <p:txBody>
-          <a:bodyPr>
-            <a:normAutofit/>
-          </a:bodyPr>
+        <p:spPr/>
+        <p:txBody>
+          <a:bodyPr/>
           <a:lstStyle/>
           <a:p>
-            <a:pPr>
-              <a:buFont typeface="Arial" panose="020B0604020202020204" pitchFamily="34" charset="0"/>
-              <a:buChar char="•"/>
-            </a:pPr>
-            <a:r>
-              <a:rPr lang="de-DE" dirty="0"/>
-              <a:t>Matija </a:t>
-            </a:r>
-            <a:r>
-              <a:rPr lang="de-DE" dirty="0" err="1"/>
-              <a:t>Gašparević</a:t>
-            </a:r>
-            <a:r>
-              <a:rPr lang="de-DE" dirty="0"/>
-              <a:t>: </a:t>
-            </a:r>
-            <a:r>
-              <a:rPr lang="de-DE" i="1" dirty="0"/>
-              <a:t>Die Lehre vom gerechten Krieg und die Risiken des 21. Jahrhunderts – der </a:t>
-            </a:r>
-            <a:r>
-              <a:rPr lang="de-DE" i="1" dirty="0" err="1"/>
-              <a:t>Präemptivkrieg</a:t>
-            </a:r>
-            <a:r>
-              <a:rPr lang="de-DE" i="1" dirty="0"/>
-              <a:t> und die militärische humanitäre Intervention</a:t>
-            </a:r>
-            <a:r>
-              <a:rPr lang="de-DE" dirty="0"/>
-              <a:t>, 12. Juli 2010</a:t>
-            </a:r>
-          </a:p>
-          <a:p>
-            <a:pPr>
-              <a:buFont typeface="Arial" panose="020B0604020202020204" pitchFamily="34" charset="0"/>
-              <a:buChar char="•"/>
-            </a:pPr>
-            <a:r>
-              <a:rPr lang="de-DE" dirty="0"/>
-              <a:t>Tim Aichele : </a:t>
-            </a:r>
-            <a:r>
-              <a:rPr lang="de-DE" i="1" dirty="0"/>
-              <a:t>Gerechter Krieg</a:t>
-            </a:r>
-            <a:r>
-              <a:rPr lang="de-DE" dirty="0"/>
-              <a:t>, 3. Mai 2017</a:t>
-            </a:r>
-          </a:p>
-          <a:p>
-            <a:pPr>
-              <a:buFont typeface="Arial" panose="020B0604020202020204" pitchFamily="34" charset="0"/>
-              <a:buChar char="•"/>
-            </a:pPr>
-            <a:r>
-              <a:rPr lang="de-DE" dirty="0"/>
-              <a:t>Ulrike Kleemeier: </a:t>
-            </a:r>
-            <a:r>
-              <a:rPr lang="de-DE" i="1" dirty="0"/>
-              <a:t>Grundfragen einer philosophischen Theorie des Krieges</a:t>
-            </a:r>
-            <a:r>
-              <a:rPr lang="de-DE" dirty="0"/>
-              <a:t>, Akademie Verlag</a:t>
-            </a:r>
-          </a:p>
-          <a:p>
-            <a:pPr>
-              <a:buFont typeface="Arial" panose="020B0604020202020204" pitchFamily="34" charset="0"/>
-              <a:buChar char="•"/>
-            </a:pPr>
-            <a:r>
-              <a:rPr lang="de-DE" dirty="0"/>
-              <a:t>Aristoteles: </a:t>
-            </a:r>
-            <a:r>
-              <a:rPr lang="de-DE" i="1" dirty="0"/>
-              <a:t>Hauptwerke – Ausgewählt übersetzt und eingeleitet von Wilhelm Nestle</a:t>
-            </a:r>
-            <a:r>
-              <a:rPr lang="de-DE" dirty="0"/>
-              <a:t>, Alfred Kröner Verlag, Stuttgart 1977</a:t>
-            </a:r>
-          </a:p>
-          <a:p>
-            <a:pPr>
-              <a:buFont typeface="Arial" panose="020B0604020202020204" pitchFamily="34" charset="0"/>
-              <a:buChar char="•"/>
-            </a:pPr>
-            <a:r>
-              <a:rPr lang="de-DE" dirty="0"/>
-              <a:t>Cicero: </a:t>
-            </a:r>
-            <a:r>
-              <a:rPr lang="de-DE" i="1" dirty="0"/>
-              <a:t>De </a:t>
-            </a:r>
-            <a:r>
-              <a:rPr lang="de-DE" i="1" dirty="0" err="1"/>
-              <a:t>re</a:t>
-            </a:r>
-            <a:r>
-              <a:rPr lang="de-DE" i="1" dirty="0"/>
-              <a:t> publica</a:t>
-            </a:r>
-            <a:r>
-              <a:rPr lang="de-DE" dirty="0"/>
-              <a:t> III, 35; nach Bernhard Häring: </a:t>
-            </a:r>
-            <a:r>
-              <a:rPr lang="de-DE" i="1" dirty="0"/>
-              <a:t>Umrüsten zu Frieden</a:t>
-            </a:r>
-            <a:r>
-              <a:rPr lang="de-DE" dirty="0"/>
-              <a:t>, Herder Verlag, Freiburg/Basel/Wien 1983</a:t>
-            </a:r>
-          </a:p>
-          <a:p>
-            <a:pPr>
-              <a:buFont typeface="Arial" panose="020B0604020202020204" pitchFamily="34" charset="0"/>
-              <a:buChar char="•"/>
-            </a:pPr>
-            <a:r>
-              <a:rPr lang="de-DE" dirty="0"/>
-              <a:t>4 Ulrike Kleemeier: „Grundfragen einer philosophischen Theorie des Krieges: Platon – Hobbes – Clausewitz“. Berlin: Akademie Verlag 2002</a:t>
-            </a:r>
+            <a:endParaRPr lang="de-DE"/>
           </a:p>
         </p:txBody>
       </p:sp>
     </p:spTree>
     <p:extLst>
       <p:ext uri="{BB962C8B-B14F-4D97-AF65-F5344CB8AC3E}">
-        <p14:creationId xmlns:p14="http://schemas.microsoft.com/office/powerpoint/2010/main" val="527066266"/>
+        <p14:creationId xmlns:p14="http://schemas.microsoft.com/office/powerpoint/2010/main" val="1794649453"/>
       </p:ext>
     </p:extLst>
   </p:cSld>

--- a/gerechter_krieg_ethik.pptx
+++ b/gerechter_krieg_ethik.pptx
@@ -15,7 +15,7 @@
     <p:sldId id="259" r:id="rId6"/>
     <p:sldId id="260" r:id="rId7"/>
     <p:sldId id="265" r:id="rId8"/>
-    <p:sldId id="261" r:id="rId9"/>
+    <p:sldId id="266" r:id="rId9"/>
     <p:sldId id="262" r:id="rId10"/>
     <p:sldId id="263" r:id="rId11"/>
   </p:sldIdLst>
@@ -897,18 +897,9 @@
         <a:lstStyle/>
         <a:p>
           <a:r>
-            <a:rPr lang="de-DE" dirty="0" err="1"/>
-            <a:t>Bellum</a:t>
+            <a:rPr lang="de-DE" dirty="0"/>
+            <a:t>Bellum iustum</a:t>
           </a:r>
-          <a:r>
-            <a:rPr lang="de-DE" dirty="0"/>
-            <a:t> </a:t>
-          </a:r>
-          <a:r>
-            <a:rPr lang="de-DE" dirty="0" err="1"/>
-            <a:t>iustum</a:t>
-          </a:r>
-          <a:endParaRPr lang="de-DE" dirty="0"/>
         </a:p>
       </dgm:t>
     </dgm:pt>
@@ -955,7 +946,7 @@
         <a:bodyPr/>
         <a:lstStyle/>
         <a:p>
-          <a:endParaRPr lang="de-DE"/>
+          <a:endParaRPr lang="de-DE" dirty="0"/>
         </a:p>
       </dgm:t>
     </dgm:pt>
@@ -1027,7 +1018,7 @@
         <a:bodyPr/>
         <a:lstStyle/>
         <a:p>
-          <a:endParaRPr lang="de-DE"/>
+          <a:endParaRPr lang="de-DE" dirty="0"/>
         </a:p>
       </dgm:t>
     </dgm:pt>
@@ -1218,18 +1209,9 @@
             <a:buNone/>
           </a:pPr>
           <a:r>
-            <a:rPr lang="de-DE" sz="2100" kern="1200" dirty="0" err="1"/>
-            <a:t>Bellum</a:t>
+            <a:rPr lang="de-DE" sz="2100" kern="1200" dirty="0"/>
+            <a:t>Bellum iustum</a:t>
           </a:r>
-          <a:r>
-            <a:rPr lang="de-DE" sz="2100" kern="1200" dirty="0"/>
-            <a:t> </a:t>
-          </a:r>
-          <a:r>
-            <a:rPr lang="de-DE" sz="2100" kern="1200" dirty="0" err="1"/>
-            <a:t>iustum</a:t>
-          </a:r>
-          <a:endParaRPr lang="de-DE" sz="2100" kern="1200" dirty="0"/>
         </a:p>
       </dsp:txBody>
       <dsp:txXfrm>
@@ -1299,7 +1281,7 @@
             </a:spcAft>
             <a:buNone/>
           </a:pPr>
-          <a:endParaRPr lang="de-DE" sz="1200" kern="1200"/>
+          <a:endParaRPr lang="de-DE" sz="1200" kern="1200" dirty="0"/>
         </a:p>
       </dsp:txBody>
       <dsp:txXfrm>
@@ -1593,7 +1575,7 @@
             </a:spcAft>
             <a:buNone/>
           </a:pPr>
-          <a:endParaRPr lang="de-DE" sz="1200" kern="1200"/>
+          <a:endParaRPr lang="de-DE" sz="1200" kern="1200" dirty="0"/>
         </a:p>
       </dsp:txBody>
       <dsp:txXfrm rot="10800000">
@@ -3004,7 +2986,7 @@
             </a:lvl1pPr>
           </a:lstStyle>
           <a:p>
-            <a:endParaRPr lang="de-DE"/>
+            <a:endParaRPr lang="de-DE" dirty="0"/>
           </a:p>
         </p:txBody>
       </p:sp>
@@ -3039,7 +3021,7 @@
               <a:rPr lang="de-DE" smtClean="0"/>
               <a:t>29.06.2017</a:t>
             </a:fld>
-            <a:endParaRPr lang="de-DE"/>
+            <a:endParaRPr lang="de-DE" dirty="0"/>
           </a:p>
         </p:txBody>
       </p:sp>
@@ -3072,7 +3054,7 @@
           <a:bodyPr vert="horz" lIns="91440" tIns="45720" rIns="91440" bIns="45720" rtlCol="0" anchor="ctr"/>
           <a:lstStyle/>
           <a:p>
-            <a:endParaRPr lang="de-DE"/>
+            <a:endParaRPr lang="de-DE" dirty="0"/>
           </a:p>
         </p:txBody>
       </p:sp>
@@ -3162,7 +3144,7 @@
             </a:lvl1pPr>
           </a:lstStyle>
           <a:p>
-            <a:endParaRPr lang="de-DE"/>
+            <a:endParaRPr lang="de-DE" dirty="0"/>
           </a:p>
         </p:txBody>
       </p:sp>
@@ -3197,7 +3179,7 @@
               <a:rPr lang="de-DE" smtClean="0"/>
               <a:t>‹Nr.›</a:t>
             </a:fld>
-            <a:endParaRPr lang="de-DE"/>
+            <a:endParaRPr lang="de-DE" dirty="0"/>
           </a:p>
         </p:txBody>
       </p:sp>
@@ -3348,64 +3330,7 @@
           <a:bodyPr/>
           <a:lstStyle/>
           <a:p>
-            <a:r>
-              <a:rPr lang="de-DE" dirty="0"/>
-              <a:t>Pazifismus: 	</a:t>
-            </a:r>
-            <a:r>
-              <a:rPr lang="de-DE" sz="1200" b="0" i="0" kern="1200" dirty="0">
-                <a:solidFill>
-                  <a:schemeClr val="tx1"/>
-                </a:solidFill>
-                <a:effectLst/>
-                <a:latin typeface="+mn-lt"/>
-                <a:ea typeface="+mn-ea"/>
-                <a:cs typeface="+mn-cs"/>
-              </a:rPr>
-              <a:t>Haltung, die Krieg und jegliche Form von Gewalt ablehnt.</a:t>
-            </a:r>
             <a:endParaRPr lang="de-DE" dirty="0"/>
-          </a:p>
-          <a:p>
-            <a:r>
-              <a:rPr lang="de-DE" dirty="0"/>
-              <a:t>Militarismus: 	D</a:t>
-            </a:r>
-            <a:r>
-              <a:rPr lang="de-DE" sz="1200" b="0" i="0" kern="1200" dirty="0">
-                <a:solidFill>
-                  <a:schemeClr val="tx1"/>
-                </a:solidFill>
-                <a:effectLst/>
-                <a:latin typeface="+mn-lt"/>
-                <a:ea typeface="+mn-ea"/>
-                <a:cs typeface="+mn-cs"/>
-              </a:rPr>
-              <a:t>er Zustand, dass in Staat und Gesellschaft das Militär eine sehr große Bedeutung und Macht hat.</a:t>
-            </a:r>
-            <a:endParaRPr lang="de-DE" dirty="0"/>
-          </a:p>
-          <a:p>
-            <a:pPr marL="0" indent="0">
-              <a:buFont typeface="Arial" panose="020B0604020202020204" pitchFamily="34" charset="0"/>
-              <a:buNone/>
-            </a:pPr>
-            <a:r>
-              <a:rPr lang="de-DE" dirty="0"/>
-              <a:t>Realismus: 	Krieg ist ein notwendiges Mittel zur Realisierung nationaler politischen Interessen, </a:t>
-            </a:r>
-          </a:p>
-          <a:p>
-            <a:r>
-              <a:rPr lang="de-DE" dirty="0"/>
-              <a:t>	Moralität ist irrelevant da Konflikt mit staatl. Interessen</a:t>
-            </a:r>
-          </a:p>
-          <a:p>
-            <a:r>
-              <a:rPr lang="de-DE" dirty="0"/>
-              <a:t> </a:t>
-            </a:r>
           </a:p>
         </p:txBody>
       </p:sp>
@@ -3426,16 +3351,16 @@
           <a:p>
             <a:fld id="{58E666B9-4344-43B6-96B9-A8A1D210774A}" type="slidenum">
               <a:rPr lang="de-DE" smtClean="0"/>
-              <a:t>3</a:t>
+              <a:t>1</a:t>
             </a:fld>
-            <a:endParaRPr lang="de-DE"/>
+            <a:endParaRPr lang="de-DE" dirty="0"/>
           </a:p>
         </p:txBody>
       </p:sp>
     </p:spTree>
     <p:extLst>
       <p:ext uri="{BB962C8B-B14F-4D97-AF65-F5344CB8AC3E}">
-        <p14:creationId xmlns:p14="http://schemas.microsoft.com/office/powerpoint/2010/main" val="2304542156"/>
+        <p14:creationId xmlns:p14="http://schemas.microsoft.com/office/powerpoint/2010/main" val="482555521"/>
       </p:ext>
     </p:extLst>
   </p:cSld>
@@ -3491,13 +3416,7 @@
           <a:p>
             <a:r>
               <a:rPr lang="de-DE" dirty="0"/>
-              <a:t>Platon: 	nannte nicht den Begriff gerechter Krieg</a:t>
-            </a:r>
-          </a:p>
-          <a:p>
-            <a:r>
-              <a:rPr lang="de-DE" dirty="0"/>
-              <a:t>	</a:t>
+              <a:t>Pazifismus: 	</a:t>
             </a:r>
             <a:r>
               <a:rPr lang="de-DE" sz="1200" b="0" i="0" kern="1200" dirty="0">
@@ -3509,21 +3428,14 @@
                 <a:ea typeface="+mn-ea"/>
                 <a:cs typeface="+mn-cs"/>
               </a:rPr>
-              <a:t>In solchen Fällen seien deren gewaltsame Verteidigung und gegebenenfalls Nothilfe für angegriffene Nachbarn nötig und gerecht.</a:t>
-            </a:r>
-          </a:p>
-          <a:p>
-            <a:r>
-              <a:rPr lang="de-DE" sz="1200" b="0" i="0" u="none" strike="noStrike" kern="1200" dirty="0">
-                <a:solidFill>
-                  <a:schemeClr val="tx1"/>
-                </a:solidFill>
-                <a:effectLst/>
-                <a:latin typeface="+mn-lt"/>
-                <a:ea typeface="+mn-ea"/>
-                <a:cs typeface="+mn-cs"/>
-              </a:rPr>
-              <a:t>	Angriffs-</a:t>
+              <a:t>Haltung, die Krieg und jegliche Form von Gewalt ablehnt.</a:t>
+            </a:r>
+            <a:endParaRPr lang="de-DE" dirty="0"/>
+          </a:p>
+          <a:p>
+            <a:r>
+              <a:rPr lang="de-DE" dirty="0"/>
+              <a:t>Militarismus: 	D</a:t>
             </a:r>
             <a:r>
               <a:rPr lang="de-DE" sz="1200" b="0" i="0" kern="1200" dirty="0">
@@ -3535,173 +3447,31 @@
                 <a:ea typeface="+mn-ea"/>
                 <a:cs typeface="+mn-cs"/>
               </a:rPr>
-              <a:t> und Eroberungskriege seien ungerechte und unvernünftige Habgier.</a:t>
-            </a:r>
-          </a:p>
-          <a:p>
-            <a:r>
-              <a:rPr lang="de-DE" sz="1200" b="0" i="0" kern="1200" dirty="0">
-                <a:solidFill>
-                  <a:schemeClr val="tx1"/>
-                </a:solidFill>
-                <a:effectLst/>
-                <a:latin typeface="+mn-lt"/>
-                <a:ea typeface="+mn-ea"/>
-                <a:cs typeface="+mn-cs"/>
-              </a:rPr>
-              <a:t>	Nur Philosophen und Tugendwächter dürften einen gerechten Verteidigungsfall feststellen.</a:t>
-            </a:r>
-          </a:p>
-          <a:p>
-            <a:r>
-              <a:rPr lang="de-DE" sz="1200" b="0" i="0" u="none" strike="noStrike" kern="1200" dirty="0">
-                <a:solidFill>
-                  <a:schemeClr val="tx1"/>
-                </a:solidFill>
-                <a:effectLst/>
-                <a:latin typeface="+mn-lt"/>
-                <a:ea typeface="+mn-ea"/>
-                <a:cs typeface="+mn-cs"/>
-              </a:rPr>
-              <a:t>	Kriegsgefangene</a:t>
-            </a:r>
-            <a:r>
-              <a:rPr lang="de-DE" sz="1200" b="0" i="0" kern="1200" dirty="0">
-                <a:solidFill>
-                  <a:schemeClr val="tx1"/>
-                </a:solidFill>
-                <a:effectLst/>
-                <a:latin typeface="+mn-lt"/>
-                <a:ea typeface="+mn-ea"/>
-                <a:cs typeface="+mn-cs"/>
-              </a:rPr>
-              <a:t> dürften nicht versklavt und beraubt, das Land des Gegners müsse verschont, nur Schuldige dürften bestraft werden.</a:t>
-            </a:r>
-          </a:p>
-          <a:p>
-            <a:r>
-              <a:rPr lang="de-DE" sz="1200" b="0" i="0" kern="1200" dirty="0">
-                <a:solidFill>
-                  <a:schemeClr val="tx1"/>
-                </a:solidFill>
-                <a:effectLst/>
-                <a:latin typeface="+mn-lt"/>
-                <a:ea typeface="+mn-ea"/>
-                <a:cs typeface="+mn-cs"/>
-              </a:rPr>
-              <a:t>	Bei Angriffen unvernünftiger Barbaren sei nicht nur Sieg zur Herstellung von gerechtem Frieden, sondern Vernichtung der Feinde erforderlich.</a:t>
-            </a:r>
-          </a:p>
-          <a:p>
+              <a:t>er Zustand, dass in Staat und Gesellschaft das Militär eine sehr große Bedeutung und Macht hat.</a:t>
+            </a:r>
             <a:endParaRPr lang="de-DE" dirty="0"/>
           </a:p>
           <a:p>
+            <a:pPr marL="0" indent="0">
+              <a:buFont typeface="Arial" panose="020B0604020202020204" pitchFamily="34" charset="0"/>
+              <a:buNone/>
+            </a:pPr>
             <a:r>
               <a:rPr lang="de-DE" dirty="0"/>
-              <a:t>Aristoteles:	Manche Völker sind Sklaven -&gt; Sind unterworfen -&gt; Jagd auf sie ist erlaubt</a:t>
-            </a:r>
-          </a:p>
-          <a:p>
-            <a:endParaRPr lang="de-DE" dirty="0"/>
-          </a:p>
-          <a:p>
-            <a:r>
-              <a:rPr lang="de-DE" sz="1200" b="0" i="0" kern="1200" dirty="0">
-                <a:solidFill>
-                  <a:schemeClr val="tx1"/>
-                </a:solidFill>
-                <a:effectLst/>
-                <a:latin typeface="+mn-lt"/>
-                <a:ea typeface="+mn-ea"/>
-                <a:cs typeface="+mn-cs"/>
-              </a:rPr>
-              <a:t>Cicero:	Römisches Reich</a:t>
-            </a:r>
-          </a:p>
-          <a:p>
-            <a:r>
-              <a:rPr lang="de-DE" sz="1200" b="0" i="0" kern="1200" dirty="0">
-                <a:solidFill>
-                  <a:schemeClr val="tx1"/>
-                </a:solidFill>
-                <a:effectLst/>
-                <a:latin typeface="+mn-lt"/>
-                <a:ea typeface="+mn-ea"/>
-                <a:cs typeface="+mn-cs"/>
-              </a:rPr>
-              <a:t>	Krieg muss 	</a:t>
-            </a:r>
+              <a:t>Realismus: 	Krieg ist ein notwendiges Mittel zur Realisierung nationaler politischen Interessen, </a:t>
+            </a:r>
+          </a:p>
+          <a:p>
             <a:r>
               <a:rPr lang="de-DE" dirty="0"/>
-              <a:t>auf erlittenes Unrecht reagieren</a:t>
+              <a:t>	Moralität ist irrelevant da Konflikt mit staatl. Interessen</a:t>
             </a:r>
           </a:p>
           <a:p>
             <a:r>
               <a:rPr lang="de-DE" dirty="0"/>
-              <a:t>		auf gescheiterte Verhandlungsversuche folgen</a:t>
-            </a:r>
-          </a:p>
-          <a:p>
-            <a:r>
-              <a:rPr lang="de-DE" dirty="0"/>
-              <a:t>		von der politischen Zentralmacht geführt werden, </a:t>
-            </a:r>
-          </a:p>
-          <a:p>
-            <a:r>
-              <a:rPr lang="de-DE" dirty="0"/>
-              <a:t>		von sakralen Autoritäten formal legitimiert werden</a:t>
-            </a:r>
-          </a:p>
-          <a:p>
-            <a:r>
-              <a:rPr lang="de-DE" dirty="0"/>
-              <a:t>		den verletzten Rechtszustand wiederherstellen und Schäden wiedergutmachen </a:t>
-            </a:r>
-          </a:p>
-          <a:p>
-            <a:endParaRPr lang="de-DE" dirty="0"/>
-          </a:p>
-          <a:p>
-            <a:r>
-              <a:rPr lang="de-DE" dirty="0"/>
-              <a:t>Mittelalter:	die Vollmacht des Fürsten Krieg zu erklären und zu führen</a:t>
-            </a:r>
-          </a:p>
-          <a:p>
-            <a:r>
-              <a:rPr lang="de-DE" dirty="0"/>
-              <a:t>	den gerechten Grund zum Krieg </a:t>
-            </a:r>
-          </a:p>
-          <a:p>
-            <a:r>
-              <a:rPr lang="de-DE" dirty="0"/>
-              <a:t>	die rechte Absicht der Kriegsführer</a:t>
-            </a:r>
-          </a:p>
-          <a:p>
-            <a:endParaRPr lang="de-DE" dirty="0"/>
-          </a:p>
-          <a:p>
-            <a:r>
-              <a:rPr lang="de-DE" dirty="0"/>
-              <a:t>Franz. Rev.:	da uneingeschränktes Kriegsrecht -&gt; Fokus auf </a:t>
-            </a:r>
-            <a:r>
-              <a:rPr lang="de-DE" dirty="0" err="1"/>
-              <a:t>ius</a:t>
-            </a:r>
-            <a:r>
-              <a:rPr lang="de-DE" dirty="0"/>
-              <a:t> in </a:t>
-            </a:r>
-            <a:r>
-              <a:rPr lang="de-DE" dirty="0" err="1"/>
-              <a:t>bello</a:t>
-            </a:r>
-            <a:endParaRPr lang="de-DE" dirty="0"/>
+              <a:t> </a:t>
+            </a:r>
           </a:p>
         </p:txBody>
       </p:sp>
@@ -3722,16 +3492,16 @@
           <a:p>
             <a:fld id="{58E666B9-4344-43B6-96B9-A8A1D210774A}" type="slidenum">
               <a:rPr lang="de-DE" smtClean="0"/>
-              <a:t>5</a:t>
+              <a:t>3</a:t>
             </a:fld>
-            <a:endParaRPr lang="de-DE"/>
+            <a:endParaRPr lang="de-DE" dirty="0"/>
           </a:p>
         </p:txBody>
       </p:sp>
     </p:spTree>
     <p:extLst>
       <p:ext uri="{BB962C8B-B14F-4D97-AF65-F5344CB8AC3E}">
-        <p14:creationId xmlns:p14="http://schemas.microsoft.com/office/powerpoint/2010/main" val="453297387"/>
+        <p14:creationId xmlns:p14="http://schemas.microsoft.com/office/powerpoint/2010/main" val="2304542156"/>
       </p:ext>
     </p:extLst>
   </p:cSld>
@@ -3785,6 +3555,524 @@
           <a:bodyPr/>
           <a:lstStyle/>
           <a:p>
+            <a:r>
+              <a:rPr lang="de-DE" dirty="0"/>
+              <a:t>Platon: 	nannte nicht den Begriff gerechter Krieg</a:t>
+            </a:r>
+          </a:p>
+          <a:p>
+            <a:r>
+              <a:rPr lang="de-DE" dirty="0"/>
+              <a:t>	</a:t>
+            </a:r>
+            <a:r>
+              <a:rPr lang="de-DE" sz="1200" b="0" i="0" kern="1200" dirty="0">
+                <a:solidFill>
+                  <a:schemeClr val="tx1"/>
+                </a:solidFill>
+                <a:effectLst/>
+                <a:latin typeface="+mn-lt"/>
+                <a:ea typeface="+mn-ea"/>
+                <a:cs typeface="+mn-cs"/>
+              </a:rPr>
+              <a:t>In solchen Fällen seien deren gewaltsame Verteidigung und gegebenenfalls Nothilfe für angegriffene Nachbarn nötig und gerecht.</a:t>
+            </a:r>
+          </a:p>
+          <a:p>
+            <a:r>
+              <a:rPr lang="de-DE" sz="1200" b="0" i="0" u="none" strike="noStrike" kern="1200" dirty="0">
+                <a:solidFill>
+                  <a:schemeClr val="tx1"/>
+                </a:solidFill>
+                <a:effectLst/>
+                <a:latin typeface="+mn-lt"/>
+                <a:ea typeface="+mn-ea"/>
+                <a:cs typeface="+mn-cs"/>
+              </a:rPr>
+              <a:t>	Angriffs-</a:t>
+            </a:r>
+            <a:r>
+              <a:rPr lang="de-DE" sz="1200" b="0" i="0" kern="1200" dirty="0">
+                <a:solidFill>
+                  <a:schemeClr val="tx1"/>
+                </a:solidFill>
+                <a:effectLst/>
+                <a:latin typeface="+mn-lt"/>
+                <a:ea typeface="+mn-ea"/>
+                <a:cs typeface="+mn-cs"/>
+              </a:rPr>
+              <a:t> und Eroberungskriege seien ungerechte und unvernünftige Habgier.</a:t>
+            </a:r>
+          </a:p>
+          <a:p>
+            <a:r>
+              <a:rPr lang="de-DE" sz="1200" b="0" i="0" kern="1200" dirty="0">
+                <a:solidFill>
+                  <a:schemeClr val="tx1"/>
+                </a:solidFill>
+                <a:effectLst/>
+                <a:latin typeface="+mn-lt"/>
+                <a:ea typeface="+mn-ea"/>
+                <a:cs typeface="+mn-cs"/>
+              </a:rPr>
+              <a:t>	Nur Philosophen und Tugendwächter dürften einen gerechten Verteidigungsfall feststellen.</a:t>
+            </a:r>
+          </a:p>
+          <a:p>
+            <a:r>
+              <a:rPr lang="de-DE" sz="1200" b="0" i="0" u="none" strike="noStrike" kern="1200" dirty="0">
+                <a:solidFill>
+                  <a:schemeClr val="tx1"/>
+                </a:solidFill>
+                <a:effectLst/>
+                <a:latin typeface="+mn-lt"/>
+                <a:ea typeface="+mn-ea"/>
+                <a:cs typeface="+mn-cs"/>
+              </a:rPr>
+              <a:t>	Kriegsgefangene</a:t>
+            </a:r>
+            <a:r>
+              <a:rPr lang="de-DE" sz="1200" b="0" i="0" kern="1200" dirty="0">
+                <a:solidFill>
+                  <a:schemeClr val="tx1"/>
+                </a:solidFill>
+                <a:effectLst/>
+                <a:latin typeface="+mn-lt"/>
+                <a:ea typeface="+mn-ea"/>
+                <a:cs typeface="+mn-cs"/>
+              </a:rPr>
+              <a:t> dürften nicht versklavt und beraubt, das Land des Gegners müsse verschont, nur Schuldige dürften bestraft werden.</a:t>
+            </a:r>
+          </a:p>
+          <a:p>
+            <a:r>
+              <a:rPr lang="de-DE" sz="1200" b="0" i="0" kern="1200" dirty="0">
+                <a:solidFill>
+                  <a:schemeClr val="tx1"/>
+                </a:solidFill>
+                <a:effectLst/>
+                <a:latin typeface="+mn-lt"/>
+                <a:ea typeface="+mn-ea"/>
+                <a:cs typeface="+mn-cs"/>
+              </a:rPr>
+              <a:t>	Bei Angriffen unvernünftiger Barbaren sei nicht nur Sieg zur Herstellung von gerechtem Frieden, sondern Vernichtung der Feinde erforderlich.</a:t>
+            </a:r>
+          </a:p>
+          <a:p>
+            <a:endParaRPr lang="de-DE" dirty="0"/>
+          </a:p>
+          <a:p>
+            <a:r>
+              <a:rPr lang="de-DE" dirty="0"/>
+              <a:t>Aristoteles:	Manche Völker sind Sklaven -&gt; Sind unterworfen -&gt; Jagd auf sie ist erlaubt</a:t>
+            </a:r>
+          </a:p>
+          <a:p>
+            <a:endParaRPr lang="de-DE" dirty="0"/>
+          </a:p>
+          <a:p>
+            <a:r>
+              <a:rPr lang="de-DE" sz="1200" b="0" i="0" kern="1200" dirty="0">
+                <a:solidFill>
+                  <a:schemeClr val="tx1"/>
+                </a:solidFill>
+                <a:effectLst/>
+                <a:latin typeface="+mn-lt"/>
+                <a:ea typeface="+mn-ea"/>
+                <a:cs typeface="+mn-cs"/>
+              </a:rPr>
+              <a:t>Cicero:	Römisches Reich</a:t>
+            </a:r>
+          </a:p>
+          <a:p>
+            <a:r>
+              <a:rPr lang="de-DE" sz="1200" b="0" i="0" kern="1200" dirty="0">
+                <a:solidFill>
+                  <a:schemeClr val="tx1"/>
+                </a:solidFill>
+                <a:effectLst/>
+                <a:latin typeface="+mn-lt"/>
+                <a:ea typeface="+mn-ea"/>
+                <a:cs typeface="+mn-cs"/>
+              </a:rPr>
+              <a:t>	Krieg muss 	</a:t>
+            </a:r>
+            <a:r>
+              <a:rPr lang="de-DE" dirty="0"/>
+              <a:t>auf erlittenes Unrecht reagieren</a:t>
+            </a:r>
+          </a:p>
+          <a:p>
+            <a:r>
+              <a:rPr lang="de-DE" dirty="0"/>
+              <a:t>		auf gescheiterte Verhandlungsversuche folgen</a:t>
+            </a:r>
+          </a:p>
+          <a:p>
+            <a:r>
+              <a:rPr lang="de-DE" dirty="0"/>
+              <a:t>		von der politischen Zentralmacht geführt werden, </a:t>
+            </a:r>
+          </a:p>
+          <a:p>
+            <a:r>
+              <a:rPr lang="de-DE" dirty="0"/>
+              <a:t>		von sakralen Autoritäten formal legitimiert werden</a:t>
+            </a:r>
+          </a:p>
+          <a:p>
+            <a:r>
+              <a:rPr lang="de-DE" dirty="0"/>
+              <a:t>		den verletzten Rechtszustand wiederherstellen und Schäden wiedergutmachen </a:t>
+            </a:r>
+          </a:p>
+          <a:p>
+            <a:endParaRPr lang="de-DE" dirty="0"/>
+          </a:p>
+          <a:p>
+            <a:r>
+              <a:rPr lang="de-DE" dirty="0"/>
+              <a:t>Mittelalter:	die Vollmacht des Fürsten Krieg zu erklären und zu führen</a:t>
+            </a:r>
+          </a:p>
+          <a:p>
+            <a:r>
+              <a:rPr lang="de-DE" dirty="0"/>
+              <a:t>	den gerechten Grund zum Krieg </a:t>
+            </a:r>
+          </a:p>
+          <a:p>
+            <a:r>
+              <a:rPr lang="de-DE" dirty="0"/>
+              <a:t>	die rechte Absicht der Kriegsführer</a:t>
+            </a:r>
+          </a:p>
+          <a:p>
+            <a:endParaRPr lang="de-DE" dirty="0"/>
+          </a:p>
+          <a:p>
+            <a:r>
+              <a:rPr lang="de-DE" dirty="0"/>
+              <a:t>Franz. Rev.:	da uneingeschränktes Kriegsrecht -&gt; Fokus auf ius in bello</a:t>
+            </a:r>
+          </a:p>
+        </p:txBody>
+      </p:sp>
+      <p:sp>
+        <p:nvSpPr>
+          <p:cNvPr id="4" name="Foliennummernplatzhalter 3"/>
+          <p:cNvSpPr>
+            <a:spLocks noGrp="1"/>
+          </p:cNvSpPr>
+          <p:nvPr>
+            <p:ph type="sldNum" sz="quarter" idx="10"/>
+          </p:nvPr>
+        </p:nvSpPr>
+        <p:spPr/>
+        <p:txBody>
+          <a:bodyPr/>
+          <a:lstStyle/>
+          <a:p>
+            <a:fld id="{58E666B9-4344-43B6-96B9-A8A1D210774A}" type="slidenum">
+              <a:rPr lang="de-DE" smtClean="0"/>
+              <a:t>5</a:t>
+            </a:fld>
+            <a:endParaRPr lang="de-DE" dirty="0"/>
+          </a:p>
+        </p:txBody>
+      </p:sp>
+    </p:spTree>
+    <p:extLst>
+      <p:ext uri="{BB962C8B-B14F-4D97-AF65-F5344CB8AC3E}">
+        <p14:creationId xmlns:p14="http://schemas.microsoft.com/office/powerpoint/2010/main" val="453297387"/>
+      </p:ext>
+    </p:extLst>
+  </p:cSld>
+  <p:clrMapOvr>
+    <a:masterClrMapping/>
+  </p:clrMapOvr>
+</p:notes>
+</file>
+
+<file path=ppt/notesSlides/notesSlide4.xml><?xml version="1.0" encoding="utf-8"?>
+<p:notes xmlns:a="http://schemas.openxmlformats.org/drawingml/2006/main" xmlns:r="http://schemas.openxmlformats.org/officeDocument/2006/relationships" xmlns:p="http://schemas.openxmlformats.org/presentationml/2006/main">
+  <p:cSld>
+    <p:spTree>
+      <p:nvGrpSpPr>
+        <p:cNvPr id="1" name=""/>
+        <p:cNvGrpSpPr/>
+        <p:nvPr/>
+      </p:nvGrpSpPr>
+      <p:grpSpPr>
+        <a:xfrm>
+          <a:off x="0" y="0"/>
+          <a:ext cx="0" cy="0"/>
+          <a:chOff x="0" y="0"/>
+          <a:chExt cx="0" cy="0"/>
+        </a:xfrm>
+      </p:grpSpPr>
+      <p:sp>
+        <p:nvSpPr>
+          <p:cNvPr id="2" name="Folienbildplatzhalter 1"/>
+          <p:cNvSpPr>
+            <a:spLocks noGrp="1" noRot="1" noChangeAspect="1"/>
+          </p:cNvSpPr>
+          <p:nvPr>
+            <p:ph type="sldImg"/>
+          </p:nvPr>
+        </p:nvSpPr>
+        <p:spPr/>
+      </p:sp>
+      <p:sp>
+        <p:nvSpPr>
+          <p:cNvPr id="3" name="Notizenplatzhalter 2"/>
+          <p:cNvSpPr>
+            <a:spLocks noGrp="1"/>
+          </p:cNvSpPr>
+          <p:nvPr>
+            <p:ph type="body" idx="1"/>
+          </p:nvPr>
+        </p:nvSpPr>
+        <p:spPr/>
+        <p:txBody>
+          <a:bodyPr/>
+          <a:lstStyle/>
+          <a:p>
+            <a:pPr marL="0" marR="0" lvl="0" indent="0" algn="l" defTabSz="914400" rtl="0" eaLnBrk="1" fontAlgn="auto" latinLnBrk="0" hangingPunct="1">
+              <a:lnSpc>
+                <a:spcPct val="100000"/>
+              </a:lnSpc>
+              <a:spcBef>
+                <a:spcPts val="0"/>
+              </a:spcBef>
+              <a:spcAft>
+                <a:spcPts val="0"/>
+              </a:spcAft>
+              <a:buClrTx/>
+              <a:buSzTx/>
+              <a:buFontTx/>
+              <a:buNone/>
+              <a:tabLst/>
+              <a:defRPr/>
+            </a:pPr>
+            <a:r>
+              <a:rPr lang="de-DE" dirty="0"/>
+              <a:t>Unterscheidung zwischen Soldaten und Zivilbevölkerung schwer Umsetzbar</a:t>
+            </a:r>
+          </a:p>
+          <a:p>
+            <a:pPr lvl="1"/>
+            <a:r>
+              <a:rPr lang="de-DE" dirty="0"/>
+              <a:t>Moderne Waffen</a:t>
+            </a:r>
+          </a:p>
+          <a:p>
+            <a:pPr lvl="1"/>
+            <a:r>
+              <a:rPr lang="de-DE" dirty="0"/>
+              <a:t>Zwangseinzug</a:t>
+            </a:r>
+          </a:p>
+          <a:p>
+            <a:pPr lvl="0"/>
+            <a:endParaRPr lang="de-DE" dirty="0"/>
+          </a:p>
+          <a:p>
+            <a:pPr lvl="0"/>
+            <a:r>
+              <a:rPr lang="de-DE" dirty="0"/>
+              <a:t>Pazifismus:</a:t>
+            </a:r>
+          </a:p>
+          <a:p>
+            <a:pPr lvl="1"/>
+            <a:r>
+              <a:rPr lang="de-DE" dirty="0"/>
+              <a:t>Deshalb muss Krieg komplett vermieden werden</a:t>
+            </a:r>
+          </a:p>
+        </p:txBody>
+      </p:sp>
+      <p:sp>
+        <p:nvSpPr>
+          <p:cNvPr id="4" name="Foliennummernplatzhalter 3"/>
+          <p:cNvSpPr>
+            <a:spLocks noGrp="1"/>
+          </p:cNvSpPr>
+          <p:nvPr>
+            <p:ph type="sldNum" sz="quarter" idx="10"/>
+          </p:nvPr>
+        </p:nvSpPr>
+        <p:spPr/>
+        <p:txBody>
+          <a:bodyPr/>
+          <a:lstStyle/>
+          <a:p>
+            <a:fld id="{58E666B9-4344-43B6-96B9-A8A1D210774A}" type="slidenum">
+              <a:rPr lang="de-DE" smtClean="0"/>
+              <a:t>8</a:t>
+            </a:fld>
+            <a:endParaRPr lang="de-DE" dirty="0"/>
+          </a:p>
+        </p:txBody>
+      </p:sp>
+    </p:spTree>
+    <p:extLst>
+      <p:ext uri="{BB962C8B-B14F-4D97-AF65-F5344CB8AC3E}">
+        <p14:creationId xmlns:p14="http://schemas.microsoft.com/office/powerpoint/2010/main" val="68504466"/>
+      </p:ext>
+    </p:extLst>
+  </p:cSld>
+  <p:clrMapOvr>
+    <a:masterClrMapping/>
+  </p:clrMapOvr>
+</p:notes>
+</file>
+
+<file path=ppt/notesSlides/notesSlide5.xml><?xml version="1.0" encoding="utf-8"?>
+<p:notes xmlns:a="http://schemas.openxmlformats.org/drawingml/2006/main" xmlns:r="http://schemas.openxmlformats.org/officeDocument/2006/relationships" xmlns:p="http://schemas.openxmlformats.org/presentationml/2006/main">
+  <p:cSld>
+    <p:spTree>
+      <p:nvGrpSpPr>
+        <p:cNvPr id="1" name=""/>
+        <p:cNvGrpSpPr/>
+        <p:nvPr/>
+      </p:nvGrpSpPr>
+      <p:grpSpPr>
+        <a:xfrm>
+          <a:off x="0" y="0"/>
+          <a:ext cx="0" cy="0"/>
+          <a:chOff x="0" y="0"/>
+          <a:chExt cx="0" cy="0"/>
+        </a:xfrm>
+      </p:grpSpPr>
+      <p:sp>
+        <p:nvSpPr>
+          <p:cNvPr id="2" name="Folienbildplatzhalter 1"/>
+          <p:cNvSpPr>
+            <a:spLocks noGrp="1" noRot="1" noChangeAspect="1"/>
+          </p:cNvSpPr>
+          <p:nvPr>
+            <p:ph type="sldImg"/>
+          </p:nvPr>
+        </p:nvSpPr>
+        <p:spPr/>
+      </p:sp>
+      <p:sp>
+        <p:nvSpPr>
+          <p:cNvPr id="3" name="Notizenplatzhalter 2"/>
+          <p:cNvSpPr>
+            <a:spLocks noGrp="1"/>
+          </p:cNvSpPr>
+          <p:nvPr>
+            <p:ph type="body" idx="1"/>
+          </p:nvPr>
+        </p:nvSpPr>
+        <p:spPr/>
+        <p:txBody>
+          <a:bodyPr/>
+          <a:lstStyle/>
+          <a:p>
+            <a:r>
+              <a:rPr lang="de-DE" dirty="0"/>
+              <a:t>UN-Charta??</a:t>
+            </a:r>
+          </a:p>
+          <a:p>
+            <a:r>
+              <a:rPr lang="de-DE" dirty="0"/>
+              <a:t>Kant??</a:t>
+            </a:r>
+          </a:p>
+          <a:p>
+            <a:r>
+              <a:rPr lang="de-DE" dirty="0"/>
+              <a:t>Ethik-Sternchenthemen??</a:t>
+            </a:r>
+          </a:p>
+        </p:txBody>
+      </p:sp>
+      <p:sp>
+        <p:nvSpPr>
+          <p:cNvPr id="4" name="Foliennummernplatzhalter 3"/>
+          <p:cNvSpPr>
+            <a:spLocks noGrp="1"/>
+          </p:cNvSpPr>
+          <p:nvPr>
+            <p:ph type="sldNum" sz="quarter" idx="10"/>
+          </p:nvPr>
+        </p:nvSpPr>
+        <p:spPr/>
+        <p:txBody>
+          <a:bodyPr/>
+          <a:lstStyle/>
+          <a:p>
+            <a:fld id="{58E666B9-4344-43B6-96B9-A8A1D210774A}" type="slidenum">
+              <a:rPr lang="de-DE" smtClean="0"/>
+              <a:t>9</a:t>
+            </a:fld>
+            <a:endParaRPr lang="de-DE" dirty="0"/>
+          </a:p>
+        </p:txBody>
+      </p:sp>
+    </p:spTree>
+    <p:extLst>
+      <p:ext uri="{BB962C8B-B14F-4D97-AF65-F5344CB8AC3E}">
+        <p14:creationId xmlns:p14="http://schemas.microsoft.com/office/powerpoint/2010/main" val="867517631"/>
+      </p:ext>
+    </p:extLst>
+  </p:cSld>
+  <p:clrMapOvr>
+    <a:masterClrMapping/>
+  </p:clrMapOvr>
+</p:notes>
+</file>
+
+<file path=ppt/notesSlides/notesSlide6.xml><?xml version="1.0" encoding="utf-8"?>
+<p:notes xmlns:a="http://schemas.openxmlformats.org/drawingml/2006/main" xmlns:r="http://schemas.openxmlformats.org/officeDocument/2006/relationships" xmlns:p="http://schemas.openxmlformats.org/presentationml/2006/main">
+  <p:cSld>
+    <p:spTree>
+      <p:nvGrpSpPr>
+        <p:cNvPr id="1" name=""/>
+        <p:cNvGrpSpPr/>
+        <p:nvPr/>
+      </p:nvGrpSpPr>
+      <p:grpSpPr>
+        <a:xfrm>
+          <a:off x="0" y="0"/>
+          <a:ext cx="0" cy="0"/>
+          <a:chOff x="0" y="0"/>
+          <a:chExt cx="0" cy="0"/>
+        </a:xfrm>
+      </p:grpSpPr>
+      <p:sp>
+        <p:nvSpPr>
+          <p:cNvPr id="2" name="Folienbildplatzhalter 1"/>
+          <p:cNvSpPr>
+            <a:spLocks noGrp="1" noRot="1" noChangeAspect="1"/>
+          </p:cNvSpPr>
+          <p:nvPr>
+            <p:ph type="sldImg"/>
+          </p:nvPr>
+        </p:nvSpPr>
+        <p:spPr/>
+      </p:sp>
+      <p:sp>
+        <p:nvSpPr>
+          <p:cNvPr id="3" name="Notizenplatzhalter 2"/>
+          <p:cNvSpPr>
+            <a:spLocks noGrp="1"/>
+          </p:cNvSpPr>
+          <p:nvPr>
+            <p:ph type="body" idx="1"/>
+          </p:nvPr>
+        </p:nvSpPr>
+        <p:spPr/>
+        <p:txBody>
+          <a:bodyPr/>
+          <a:lstStyle/>
+          <a:p>
             <a:endParaRPr lang="de-DE" dirty="0"/>
           </a:p>
         </p:txBody>
@@ -3808,7 +4096,7 @@
               <a:rPr lang="de-DE" smtClean="0"/>
               <a:t>10</a:t>
             </a:fld>
-            <a:endParaRPr lang="de-DE"/>
+            <a:endParaRPr lang="de-DE" dirty="0"/>
           </a:p>
         </p:txBody>
       </p:sp>
@@ -9677,7 +9965,7 @@
         </p:spPr>
         <p:txBody>
           <a:bodyPr>
-            <a:normAutofit lnSpcReduction="10000"/>
+            <a:normAutofit/>
           </a:bodyPr>
           <a:lstStyle/>
           <a:p>
@@ -9687,31 +9975,15 @@
             </a:pPr>
             <a:r>
               <a:rPr lang="de-DE" dirty="0"/>
-              <a:t>Matija </a:t>
-            </a:r>
-            <a:r>
-              <a:rPr lang="de-DE" dirty="0" err="1"/>
-              <a:t>Gašparević</a:t>
+              <a:t>Aristoteles: </a:t>
+            </a:r>
+            <a:r>
+              <a:rPr lang="de-DE" i="1" dirty="0"/>
+              <a:t>Hauptwerke – Ausgewählt übersetzt und eingeleitet von Wilhelm Nestle</a:t>
             </a:r>
             <a:r>
               <a:rPr lang="de-DE" dirty="0"/>
-              <a:t>: </a:t>
-            </a:r>
-            <a:r>
-              <a:rPr lang="de-DE" i="1" dirty="0"/>
-              <a:t>Die Lehre vom gerechten Krieg und die Risiken des 21. Jahrhunderts – der </a:t>
-            </a:r>
-            <a:r>
-              <a:rPr lang="de-DE" i="1" dirty="0" err="1"/>
-              <a:t>Präemptivkrieg</a:t>
-            </a:r>
-            <a:r>
-              <a:rPr lang="de-DE" i="1" dirty="0"/>
-              <a:t> und die militärische humanitäre Intervention</a:t>
-            </a:r>
-            <a:r>
-              <a:rPr lang="de-DE" dirty="0"/>
-              <a:t>, 12. Juli 2010</a:t>
+              <a:t>, Alfred Kröner Verlag, Stuttgart 1977</a:t>
             </a:r>
           </a:p>
           <a:p>
@@ -9721,15 +9993,23 @@
             </a:pPr>
             <a:r>
               <a:rPr lang="de-DE" dirty="0"/>
-              <a:t>Tim Aichele : </a:t>
+              <a:t>Cicero: </a:t>
             </a:r>
             <a:r>
               <a:rPr lang="de-DE" i="1" dirty="0"/>
-              <a:t>Gerechter Krieg</a:t>
+              <a:t>De re publica</a:t>
             </a:r>
             <a:r>
               <a:rPr lang="de-DE" dirty="0"/>
-              <a:t>, 3. Mai 2017</a:t>
+              <a:t> III, 35; nach Bernhard Häring: </a:t>
+            </a:r>
+            <a:r>
+              <a:rPr lang="de-DE" i="1" dirty="0"/>
+              <a:t>Umrüsten zu Frieden</a:t>
+            </a:r>
+            <a:r>
+              <a:rPr lang="de-DE" dirty="0"/>
+              <a:t>, Herder Verlag, Freiburg/Basel/Wien 1983</a:t>
             </a:r>
           </a:p>
           <a:p>
@@ -9739,15 +10019,15 @@
             </a:pPr>
             <a:r>
               <a:rPr lang="de-DE" dirty="0"/>
-              <a:t>Ulrike Kleemeier: </a:t>
+              <a:t>Matija Gašparević: </a:t>
             </a:r>
             <a:r>
               <a:rPr lang="de-DE" i="1" dirty="0"/>
-              <a:t>Grundfragen einer philosophischen Theorie des Krieges</a:t>
+              <a:t>Die Lehre vom gerechten Krieg und die Risiken des 21. Jahrhunderts – der Präemptivkrieg und die militärische humanitäre Intervention</a:t>
             </a:r>
             <a:r>
               <a:rPr lang="de-DE" dirty="0"/>
-              <a:t>, Akademie Verlag</a:t>
+              <a:t>, 12. Juli 2010</a:t>
             </a:r>
           </a:p>
           <a:p>
@@ -9757,15 +10037,7 @@
             </a:pPr>
             <a:r>
               <a:rPr lang="de-DE" dirty="0"/>
-              <a:t>Aristoteles: </a:t>
-            </a:r>
-            <a:r>
-              <a:rPr lang="de-DE" i="1" dirty="0"/>
-              <a:t>Hauptwerke – Ausgewählt übersetzt und eingeleitet von Wilhelm Nestle</a:t>
-            </a:r>
-            <a:r>
-              <a:rPr lang="de-DE" dirty="0"/>
-              <a:t>, Alfred Kröner Verlag, Stuttgart 1977</a:t>
+              <a:t>proverbia-iuris.de, abgerufen: 29.06.17</a:t>
             </a:r>
           </a:p>
           <a:p>
@@ -9775,31 +10047,15 @@
             </a:pPr>
             <a:r>
               <a:rPr lang="de-DE" dirty="0"/>
-              <a:t>Cicero: </a:t>
+              <a:t>Tim Aichele : </a:t>
             </a:r>
             <a:r>
               <a:rPr lang="de-DE" i="1" dirty="0"/>
-              <a:t>De </a:t>
-            </a:r>
-            <a:r>
-              <a:rPr lang="de-DE" i="1" dirty="0" err="1"/>
-              <a:t>re</a:t>
-            </a:r>
-            <a:r>
-              <a:rPr lang="de-DE" i="1" dirty="0"/>
-              <a:t> publica</a:t>
+              <a:t>Gerechter Krieg</a:t>
             </a:r>
             <a:r>
               <a:rPr lang="de-DE" dirty="0"/>
-              <a:t> III, 35; nach Bernhard Häring: </a:t>
-            </a:r>
-            <a:r>
-              <a:rPr lang="de-DE" i="1" dirty="0"/>
-              <a:t>Umrüsten zu Frieden</a:t>
-            </a:r>
-            <a:r>
-              <a:rPr lang="de-DE" dirty="0"/>
-              <a:t>, Herder Verlag, Freiburg/Basel/Wien 1983</a:t>
+              <a:t>, 3. Mai 2017</a:t>
             </a:r>
           </a:p>
           <a:p>
@@ -9809,7 +10065,7 @@
             </a:pPr>
             <a:r>
               <a:rPr lang="de-DE" dirty="0"/>
-              <a:t>4 Ulrike Kleemeier: „Grundfragen einer philosophischen Theorie des Krieges: Platon – Hobbes – Clausewitz“. Berlin: Akademie Verlag 2002</a:t>
+              <a:t>Ulrike Kleemeier: „Grundfragen einer philosophischen Theorie des Krieges: Platon – Hobbes – Clausewitz“. Berlin: Akademie Verlag 2002</a:t>
             </a:r>
           </a:p>
           <a:p>
@@ -9819,7 +10075,7 @@
             </a:pPr>
             <a:r>
               <a:rPr lang="de-DE" dirty="0"/>
-              <a:t>www.proverbia-iuris.de, abgerufen: 29.06.17</a:t>
+              <a:t>wikipedia.org/wiki/Gerechter_Krieg, abgerufen: 30.06.17</a:t>
             </a:r>
           </a:p>
         </p:txBody>
@@ -9939,7 +10195,7 @@
             </a:pPr>
             <a:r>
               <a:rPr lang="de-DE" dirty="0"/>
-              <a:t>Ethische Begründungen</a:t>
+              <a:t>Kritik</a:t>
             </a:r>
           </a:p>
           <a:p>
@@ -10026,23 +10282,7 @@
             </a:br>
             <a:r>
               <a:rPr lang="de-DE" dirty="0"/>
-              <a:t>(</a:t>
-            </a:r>
-            <a:r>
-              <a:rPr lang="de-DE" dirty="0" err="1"/>
-              <a:t>Bellum</a:t>
-            </a:r>
-            <a:r>
-              <a:rPr lang="de-DE" dirty="0"/>
-              <a:t> </a:t>
-            </a:r>
-            <a:r>
-              <a:rPr lang="de-DE" dirty="0" err="1"/>
-              <a:t>iustum</a:t>
-            </a:r>
-            <a:r>
-              <a:rPr lang="de-DE" dirty="0"/>
-              <a:t>)</a:t>
+              <a:t>(Bellum iustum)</a:t>
             </a:r>
           </a:p>
         </p:txBody>
@@ -10138,23 +10378,7 @@
             </a:br>
             <a:r>
               <a:rPr lang="de-DE" dirty="0"/>
-              <a:t>(</a:t>
-            </a:r>
-            <a:r>
-              <a:rPr lang="de-DE" dirty="0" err="1"/>
-              <a:t>Bellum</a:t>
-            </a:r>
-            <a:r>
-              <a:rPr lang="de-DE" dirty="0"/>
-              <a:t> </a:t>
-            </a:r>
-            <a:r>
-              <a:rPr lang="de-DE" dirty="0" err="1"/>
-              <a:t>iustum</a:t>
-            </a:r>
-            <a:r>
-              <a:rPr lang="de-DE" dirty="0"/>
-              <a:t>)</a:t>
+              <a:t>(Bellum iustum)</a:t>
             </a:r>
           </a:p>
         </p:txBody>
@@ -10195,18 +10419,9 @@
               <a:buChar char="•"/>
             </a:pPr>
             <a:r>
-              <a:rPr lang="de-DE" dirty="0" err="1"/>
-              <a:t>Ius</a:t>
-            </a:r>
-            <a:r>
               <a:rPr lang="de-DE" dirty="0"/>
-              <a:t> ad </a:t>
-            </a:r>
-            <a:r>
-              <a:rPr lang="de-DE" dirty="0" err="1"/>
-              <a:t>bellum</a:t>
-            </a:r>
-            <a:endParaRPr lang="de-DE" dirty="0"/>
+              <a:t>Ius ad bellum</a:t>
+            </a:r>
           </a:p>
           <a:p>
             <a:pPr lvl="1">
@@ -10214,18 +10429,9 @@
               <a:buChar char="•"/>
             </a:pPr>
             <a:r>
-              <a:rPr lang="de-DE" dirty="0" err="1"/>
-              <a:t>Ius</a:t>
-            </a:r>
-            <a:r>
               <a:rPr lang="de-DE" dirty="0"/>
-              <a:t> in </a:t>
-            </a:r>
-            <a:r>
-              <a:rPr lang="de-DE" dirty="0" err="1"/>
-              <a:t>bello</a:t>
-            </a:r>
-            <a:endParaRPr lang="de-DE" dirty="0"/>
+              <a:t>Ius in bello</a:t>
+            </a:r>
           </a:p>
           <a:p>
             <a:pPr>
@@ -10523,39 +10729,7 @@
             </a:pPr>
             <a:r>
               <a:rPr lang="de-DE" dirty="0"/>
-              <a:t>Unterteilung in Recht zum Krieg (</a:t>
-            </a:r>
-            <a:r>
-              <a:rPr lang="de-DE" dirty="0" err="1"/>
-              <a:t>Ius</a:t>
-            </a:r>
-            <a:r>
-              <a:rPr lang="de-DE" dirty="0"/>
-              <a:t> ad </a:t>
-            </a:r>
-            <a:r>
-              <a:rPr lang="de-DE" dirty="0" err="1"/>
-              <a:t>bellum</a:t>
-            </a:r>
-            <a:r>
-              <a:rPr lang="de-DE" dirty="0"/>
-              <a:t>) und Recht im Krieg (</a:t>
-            </a:r>
-            <a:r>
-              <a:rPr lang="de-DE" dirty="0" err="1"/>
-              <a:t>Ius</a:t>
-            </a:r>
-            <a:r>
-              <a:rPr lang="de-DE" dirty="0"/>
-              <a:t> in </a:t>
-            </a:r>
-            <a:r>
-              <a:rPr lang="de-DE" dirty="0" err="1"/>
-              <a:t>bello</a:t>
-            </a:r>
-            <a:r>
-              <a:rPr lang="de-DE" dirty="0"/>
-              <a:t>)</a:t>
+              <a:t>Unterteilung in Recht zum Krieg (Ius ad bellum) und Recht im Krieg (Ius in bello)</a:t>
             </a:r>
           </a:p>
           <a:p>
@@ -10676,18 +10850,9 @@
           <a:lstStyle/>
           <a:p>
             <a:r>
-              <a:rPr lang="de-DE" dirty="0" err="1"/>
-              <a:t>Ius</a:t>
-            </a:r>
-            <a:r>
               <a:rPr lang="de-DE" dirty="0"/>
-              <a:t> ad </a:t>
-            </a:r>
-            <a:r>
-              <a:rPr lang="de-DE" dirty="0" err="1"/>
-              <a:t>bellum</a:t>
-            </a:r>
-            <a:endParaRPr lang="de-DE" dirty="0"/>
+              <a:t>Ius ad bellum</a:t>
+            </a:r>
           </a:p>
         </p:txBody>
       </p:sp>
@@ -10724,20 +10889,8 @@
               <a:buChar char="•"/>
             </a:pPr>
             <a:r>
-              <a:rPr lang="de-DE" sz="1900" dirty="0" err="1"/>
-              <a:t>legitima</a:t>
-            </a:r>
-            <a:r>
               <a:rPr lang="de-DE" sz="1900" dirty="0"/>
-              <a:t> </a:t>
-            </a:r>
-            <a:r>
-              <a:rPr lang="de-DE" sz="1900" dirty="0" err="1"/>
-              <a:t>auctoritas</a:t>
-            </a:r>
-            <a:r>
-              <a:rPr lang="de-DE" sz="1900" dirty="0"/>
-              <a:t>:                         eine rechtmäßige Autorität</a:t>
+              <a:t>legitima auctoritas:                         eine rechtmäßige Autorität</a:t>
             </a:r>
           </a:p>
           <a:p>
@@ -10747,15 +10900,7 @@
             </a:pPr>
             <a:r>
               <a:rPr lang="de-DE" sz="1900" dirty="0"/>
-              <a:t>causa </a:t>
-            </a:r>
-            <a:r>
-              <a:rPr lang="de-DE" sz="1900" dirty="0" err="1"/>
-              <a:t>iusta</a:t>
-            </a:r>
-            <a:r>
-              <a:rPr lang="de-DE" sz="1900" dirty="0"/>
-              <a:t>:                                     das Bestehen eines zulässigen und „gerechten“ Kriegsgrundes</a:t>
+              <a:t>causa iusta:                                     das Bestehen eines zulässigen und „gerechten“ Kriegsgrundes</a:t>
             </a:r>
           </a:p>
           <a:p>
@@ -10764,20 +10909,8 @@
               <a:buChar char="•"/>
             </a:pPr>
             <a:r>
-              <a:rPr lang="de-DE" sz="1900" dirty="0" err="1"/>
-              <a:t>recta</a:t>
-            </a:r>
-            <a:r>
               <a:rPr lang="de-DE" sz="1900" dirty="0"/>
-              <a:t> </a:t>
-            </a:r>
-            <a:r>
-              <a:rPr lang="de-DE" sz="1900" dirty="0" err="1"/>
-              <a:t>intentio</a:t>
-            </a:r>
-            <a:r>
-              <a:rPr lang="de-DE" sz="1900" dirty="0"/>
-              <a:t>:                                      die gerechte Absicht der kriegsführenden Parteien</a:t>
+              <a:t>recta intentio:                                      die gerechte Absicht der kriegsführenden Parteien</a:t>
             </a:r>
           </a:p>
           <a:p>
@@ -10786,20 +10919,8 @@
               <a:buChar char="•"/>
             </a:pPr>
             <a:r>
-              <a:rPr lang="de-DE" sz="1900" dirty="0" err="1"/>
-              <a:t>ultima</a:t>
-            </a:r>
-            <a:r>
               <a:rPr lang="de-DE" sz="1900" dirty="0"/>
-              <a:t> </a:t>
-            </a:r>
-            <a:r>
-              <a:rPr lang="de-DE" sz="1900" dirty="0" err="1"/>
-              <a:t>ratio</a:t>
-            </a:r>
-            <a:r>
-              <a:rPr lang="de-DE" sz="1900" dirty="0"/>
-              <a:t>:                                    der Krieg musste das letzte Mittel zur Wiederherstellung des Rechts sein</a:t>
+              <a:t>ultima ratio:                                    der Krieg musste das letzte Mittel zur Wiederherstellung des Rechts sein</a:t>
             </a:r>
           </a:p>
           <a:p>
@@ -10808,20 +10929,8 @@
               <a:buChar char="•"/>
             </a:pPr>
             <a:r>
-              <a:rPr lang="de-DE" sz="1900" dirty="0" err="1"/>
-              <a:t>iustus</a:t>
-            </a:r>
-            <a:r>
               <a:rPr lang="de-DE" sz="1900" dirty="0"/>
-              <a:t> </a:t>
-            </a:r>
-            <a:r>
-              <a:rPr lang="de-DE" sz="1900" dirty="0" err="1"/>
-              <a:t>finis</a:t>
-            </a:r>
-            <a:r>
-              <a:rPr lang="de-DE" sz="1900" dirty="0"/>
-              <a:t>:                                        es musste die Aussicht auf Frieden mit dem Kriegsgegner bestehen</a:t>
+              <a:t>iustus finis:                                        es musste die Aussicht auf Frieden mit dem Kriegsgegner bestehen</a:t>
             </a:r>
           </a:p>
           <a:p>
@@ -10830,12 +10939,8 @@
               <a:buChar char="•"/>
             </a:pPr>
             <a:r>
-              <a:rPr lang="de-DE" sz="1900" dirty="0" err="1"/>
-              <a:t>proportionalitas</a:t>
-            </a:r>
-            <a:r>
               <a:rPr lang="de-DE" sz="1900" dirty="0"/>
-              <a:t>:                               die Verhältnismäßigkeit der Reaktion musste gewahr sein</a:t>
+              <a:t>proportionalitas:                               die Verhältnismäßigkeit der Reaktion musste gewahr sein</a:t>
             </a:r>
           </a:p>
           <a:p>
@@ -10874,18 +10979,9 @@
           <a:lstStyle/>
           <a:p>
             <a:r>
-              <a:rPr lang="de-DE" dirty="0" err="1"/>
-              <a:t>Ius</a:t>
-            </a:r>
-            <a:r>
               <a:rPr lang="de-DE" dirty="0"/>
-              <a:t> in </a:t>
-            </a:r>
-            <a:r>
-              <a:rPr lang="de-DE" dirty="0" err="1"/>
-              <a:t>bello</a:t>
-            </a:r>
-            <a:endParaRPr lang="de-DE" dirty="0"/>
+              <a:t>Ius in bello</a:t>
+            </a:r>
           </a:p>
         </p:txBody>
       </p:sp>
@@ -10987,10 +11083,10 @@
       </p:grpSpPr>
       <p:sp>
         <p:nvSpPr>
-          <p:cNvPr id="2" name="Titel 1">
+          <p:cNvPr id="7" name="Titel 6">
             <a:extLst>
               <a:ext uri="{FF2B5EF4-FFF2-40B4-BE49-F238E27FC236}">
-                <a16:creationId xmlns:a16="http://schemas.microsoft.com/office/drawing/2014/main" id="{50148324-D86A-4290-8711-D17DB9B86CF5}"/>
+                <a16:creationId xmlns:a16="http://schemas.microsoft.com/office/drawing/2014/main" id="{D8BF2466-3A4F-4400-8D7A-56EFA8ACC2C1}"/>
               </a:ext>
             </a:extLst>
           </p:cNvPr>
@@ -11008,17 +11104,17 @@
           <a:p>
             <a:r>
               <a:rPr lang="de-DE" dirty="0"/>
-              <a:t>Ethische Begründungen</a:t>
-            </a:r>
-          </a:p>
-        </p:txBody>
-      </p:sp>
-      <p:sp>
-        <p:nvSpPr>
-          <p:cNvPr id="3" name="Inhaltsplatzhalter 2">
+              <a:t>Kritik</a:t>
+            </a:r>
+          </a:p>
+        </p:txBody>
+      </p:sp>
+      <p:sp>
+        <p:nvSpPr>
+          <p:cNvPr id="8" name="Inhaltsplatzhalter 7">
             <a:extLst>
               <a:ext uri="{FF2B5EF4-FFF2-40B4-BE49-F238E27FC236}">
-                <a16:creationId xmlns:a16="http://schemas.microsoft.com/office/drawing/2014/main" id="{6D64017F-652D-4E95-9226-BDD754B00284}"/>
+                <a16:creationId xmlns:a16="http://schemas.microsoft.com/office/drawing/2014/main" id="{09F52B35-742B-4226-BEC1-049C282143CE}"/>
               </a:ext>
             </a:extLst>
           </p:cNvPr>
@@ -11034,14 +11130,123 @@
           <a:bodyPr/>
           <a:lstStyle/>
           <a:p>
-            <a:endParaRPr lang="de-DE"/>
+            <a:pPr>
+              <a:buFont typeface="Arial" panose="020B0604020202020204" pitchFamily="34" charset="0"/>
+              <a:buChar char="•"/>
+            </a:pPr>
+            <a:r>
+              <a:rPr lang="de-DE" dirty="0"/>
+              <a:t>Unterscheidung zwischen Soldaten und Zivilbevölkerung schwer Umsetzbar</a:t>
+            </a:r>
+          </a:p>
+          <a:p>
+            <a:pPr>
+              <a:buFont typeface="Arial" panose="020B0604020202020204" pitchFamily="34" charset="0"/>
+              <a:buChar char="•"/>
+            </a:pPr>
+            <a:r>
+              <a:rPr lang="de-DE" dirty="0">
+                <a:effectLst>
+                  <a:outerShdw blurRad="38100" dist="38100" dir="2700000" algn="tl">
+                    <a:srgbClr val="000000">
+                      <a:alpha val="43137"/>
+                    </a:srgbClr>
+                  </a:outerShdw>
+                </a:effectLst>
+              </a:rPr>
+              <a:t>Pazifismus:</a:t>
+            </a:r>
+            <a:endParaRPr lang="de-DE" dirty="0"/>
+          </a:p>
+          <a:p>
+            <a:pPr lvl="1">
+              <a:buFont typeface="Arial" panose="020B0604020202020204" pitchFamily="34" charset="0"/>
+              <a:buChar char="•"/>
+            </a:pPr>
+            <a:r>
+              <a:rPr lang="de-DE" dirty="0"/>
+              <a:t>Jeder Krieg ist ungerecht, man kann ihn nicht </a:t>
+            </a:r>
+            <a:r>
+              <a:rPr lang="de-DE" dirty="0" err="1"/>
+              <a:t>bewertrn</a:t>
+            </a:r>
+            <a:endParaRPr lang="de-DE" dirty="0"/>
+          </a:p>
+          <a:p>
+            <a:pPr>
+              <a:buFont typeface="Arial" panose="020B0604020202020204" pitchFamily="34" charset="0"/>
+              <a:buChar char="•"/>
+            </a:pPr>
+            <a:r>
+              <a:rPr lang="de-DE" dirty="0">
+                <a:effectLst>
+                  <a:outerShdw blurRad="38100" dist="38100" dir="2700000" algn="tl">
+                    <a:srgbClr val="000000">
+                      <a:alpha val="43137"/>
+                    </a:srgbClr>
+                  </a:outerShdw>
+                </a:effectLst>
+              </a:rPr>
+              <a:t>Militarismus:</a:t>
+            </a:r>
+            <a:endParaRPr lang="de-DE" dirty="0"/>
+          </a:p>
+          <a:p>
+            <a:pPr lvl="1">
+              <a:buFont typeface="Arial" panose="020B0604020202020204" pitchFamily="34" charset="0"/>
+              <a:buChar char="•"/>
+            </a:pPr>
+            <a:r>
+              <a:rPr lang="de-DE" dirty="0"/>
+              <a:t>Krieg moralisch zu bewerten beschränkt die Machtpolitik</a:t>
+            </a:r>
+          </a:p>
+          <a:p>
+            <a:pPr>
+              <a:buFont typeface="Arial" panose="020B0604020202020204" pitchFamily="34" charset="0"/>
+              <a:buChar char="•"/>
+            </a:pPr>
+            <a:r>
+              <a:rPr lang="de-DE" dirty="0">
+                <a:effectLst>
+                  <a:outerShdw blurRad="38100" dist="38100" dir="2700000" algn="tl">
+                    <a:srgbClr val="000000">
+                      <a:alpha val="43137"/>
+                    </a:srgbClr>
+                  </a:outerShdw>
+                </a:effectLst>
+              </a:rPr>
+              <a:t>Realpolitik:</a:t>
+            </a:r>
+            <a:endParaRPr lang="de-DE" dirty="0"/>
+          </a:p>
+          <a:p>
+            <a:pPr lvl="1">
+              <a:buFont typeface="Arial" panose="020B0604020202020204" pitchFamily="34" charset="0"/>
+              <a:buChar char="•"/>
+            </a:pPr>
+            <a:r>
+              <a:rPr lang="de-DE" dirty="0"/>
+              <a:t>Die Lehre vom gerechten Krieg verhindert keine Kriege, sie fördert sie</a:t>
+            </a:r>
+          </a:p>
+          <a:p>
+            <a:pPr lvl="1">
+              <a:buFont typeface="Arial" panose="020B0604020202020204" pitchFamily="34" charset="0"/>
+              <a:buChar char="•"/>
+            </a:pPr>
+            <a:r>
+              <a:rPr lang="de-DE" dirty="0"/>
+              <a:t>Eine Kriegspartei kann nicht selber eine Eischätzung treffen, es ist immer gerecht</a:t>
+            </a:r>
           </a:p>
         </p:txBody>
       </p:sp>
     </p:spTree>
     <p:extLst>
       <p:ext uri="{BB962C8B-B14F-4D97-AF65-F5344CB8AC3E}">
-        <p14:creationId xmlns:p14="http://schemas.microsoft.com/office/powerpoint/2010/main" val="97396413"/>
+        <p14:creationId xmlns:p14="http://schemas.microsoft.com/office/powerpoint/2010/main" val="878048985"/>
       </p:ext>
     </p:extLst>
   </p:cSld>
@@ -11117,7 +11322,49 @@
           <a:bodyPr/>
           <a:lstStyle/>
           <a:p>
-            <a:endParaRPr lang="de-DE"/>
+            <a:pPr>
+              <a:buFont typeface="Arial" panose="020B0604020202020204" pitchFamily="34" charset="0"/>
+              <a:buChar char="•"/>
+            </a:pPr>
+            <a:r>
+              <a:rPr lang="de-DE" dirty="0"/>
+              <a:t>Krieg kann laut Völkerrecht gerecht sein</a:t>
+            </a:r>
+          </a:p>
+          <a:p>
+            <a:pPr>
+              <a:buFont typeface="Arial" panose="020B0604020202020204" pitchFamily="34" charset="0"/>
+              <a:buChar char="•"/>
+            </a:pPr>
+            <a:r>
+              <a:rPr lang="de-DE" dirty="0"/>
+              <a:t>Kann moralisch Vertretbar sein</a:t>
+            </a:r>
+          </a:p>
+          <a:p>
+            <a:pPr>
+              <a:buFont typeface="Arial" panose="020B0604020202020204" pitchFamily="34" charset="0"/>
+              <a:buChar char="•"/>
+            </a:pPr>
+            <a:r>
+              <a:rPr lang="de-DE" dirty="0"/>
+              <a:t>Für einzelne Menschen immer ungerecht</a:t>
+            </a:r>
+          </a:p>
+          <a:p>
+            <a:pPr>
+              <a:buFont typeface="Arial" panose="020B0604020202020204" pitchFamily="34" charset="0"/>
+              <a:buChar char="•"/>
+            </a:pPr>
+            <a:r>
+              <a:rPr lang="de-DE" dirty="0"/>
+              <a:t>Zwangseinzug </a:t>
+            </a:r>
+            <a:r>
+              <a:rPr lang="de-DE"/>
+              <a:t>/ Kollateralschäden</a:t>
+            </a:r>
+            <a:endParaRPr lang="de-DE" dirty="0"/>
           </a:p>
         </p:txBody>
       </p:sp>

--- a/gerechter_krieg_ethik.pptx
+++ b/gerechter_krieg_ethik.pptx
@@ -20,7 +20,7 @@
     <p:sldId id="263" r:id="rId11"/>
   </p:sldIdLst>
   <p:sldSz cx="12192000" cy="6858000"/>
-  <p:notesSz cx="6858000" cy="9144000"/>
+  <p:notesSz cx="6669088" cy="9926638"/>
   <p:defaultTextStyle>
     <a:defPPr>
       <a:defRPr lang="en-US"/>
@@ -2972,7 +2972,7 @@
         <p:spPr>
           <a:xfrm>
             <a:off x="0" y="0"/>
-            <a:ext cx="2971800" cy="458788"/>
+            <a:ext cx="2889938" cy="498056"/>
           </a:xfrm>
           <a:prstGeom prst="rect">
             <a:avLst/>
@@ -3002,8 +3002,8 @@
         </p:nvSpPr>
         <p:spPr>
           <a:xfrm>
-            <a:off x="3884613" y="0"/>
-            <a:ext cx="2971800" cy="458788"/>
+            <a:off x="3777607" y="0"/>
+            <a:ext cx="2889938" cy="498056"/>
           </a:xfrm>
           <a:prstGeom prst="rect">
             <a:avLst/>
@@ -3037,8 +3037,8 @@
         </p:nvSpPr>
         <p:spPr>
           <a:xfrm>
-            <a:off x="685800" y="1143000"/>
-            <a:ext cx="5486400" cy="3086100"/>
+            <a:off x="357188" y="1241425"/>
+            <a:ext cx="5954712" cy="3349625"/>
           </a:xfrm>
           <a:prstGeom prst="rect">
             <a:avLst/>
@@ -3070,8 +3070,8 @@
         </p:nvSpPr>
         <p:spPr>
           <a:xfrm>
-            <a:off x="685800" y="4400550"/>
-            <a:ext cx="5486400" cy="3600450"/>
+            <a:off x="666909" y="4777194"/>
+            <a:ext cx="5335270" cy="3908614"/>
           </a:xfrm>
           <a:prstGeom prst="rect">
             <a:avLst/>
@@ -3129,8 +3129,8 @@
         </p:nvSpPr>
         <p:spPr>
           <a:xfrm>
-            <a:off x="0" y="8685213"/>
-            <a:ext cx="2971800" cy="458787"/>
+            <a:off x="0" y="9428584"/>
+            <a:ext cx="2889938" cy="498055"/>
           </a:xfrm>
           <a:prstGeom prst="rect">
             <a:avLst/>
@@ -3160,8 +3160,8 @@
         </p:nvSpPr>
         <p:spPr>
           <a:xfrm>
-            <a:off x="3884613" y="8685213"/>
-            <a:ext cx="2971800" cy="458787"/>
+            <a:off x="3777607" y="9428584"/>
+            <a:ext cx="2889938" cy="498055"/>
           </a:xfrm>
           <a:prstGeom prst="rect">
             <a:avLst/>
@@ -3305,18 +3305,6 @@
       </p:grpSpPr>
       <p:sp>
         <p:nvSpPr>
-          <p:cNvPr id="2" name="Folienbildplatzhalter 1"/>
-          <p:cNvSpPr>
-            <a:spLocks noGrp="1" noRot="1" noChangeAspect="1"/>
-          </p:cNvSpPr>
-          <p:nvPr>
-            <p:ph type="sldImg"/>
-          </p:nvPr>
-        </p:nvSpPr>
-        <p:spPr/>
-      </p:sp>
-      <p:sp>
-        <p:nvSpPr>
           <p:cNvPr id="3" name="Notizenplatzhalter 2"/>
           <p:cNvSpPr>
             <a:spLocks noGrp="1"/>
@@ -3361,6 +3349,90 @@
     <p:extLst>
       <p:ext uri="{BB962C8B-B14F-4D97-AF65-F5344CB8AC3E}">
         <p14:creationId xmlns:p14="http://schemas.microsoft.com/office/powerpoint/2010/main" val="482555521"/>
+      </p:ext>
+    </p:extLst>
+  </p:cSld>
+  <p:clrMapOvr>
+    <a:masterClrMapping/>
+  </p:clrMapOvr>
+</p:notes>
+</file>
+
+<file path=ppt/notesSlides/notesSlide10.xml><?xml version="1.0" encoding="utf-8"?>
+<p:notes xmlns:a="http://schemas.openxmlformats.org/drawingml/2006/main" xmlns:r="http://schemas.openxmlformats.org/officeDocument/2006/relationships" xmlns:p="http://schemas.openxmlformats.org/presentationml/2006/main">
+  <p:cSld>
+    <p:spTree>
+      <p:nvGrpSpPr>
+        <p:cNvPr id="1" name=""/>
+        <p:cNvGrpSpPr/>
+        <p:nvPr/>
+      </p:nvGrpSpPr>
+      <p:grpSpPr>
+        <a:xfrm>
+          <a:off x="0" y="0"/>
+          <a:ext cx="0" cy="0"/>
+          <a:chOff x="0" y="0"/>
+          <a:chExt cx="0" cy="0"/>
+        </a:xfrm>
+      </p:grpSpPr>
+      <p:sp>
+        <p:nvSpPr>
+          <p:cNvPr id="2" name="Folienbildplatzhalter 1"/>
+          <p:cNvSpPr>
+            <a:spLocks noGrp="1" noRot="1" noChangeAspect="1"/>
+          </p:cNvSpPr>
+          <p:nvPr>
+            <p:ph type="sldImg"/>
+          </p:nvPr>
+        </p:nvSpPr>
+        <p:spPr/>
+      </p:sp>
+      <p:sp>
+        <p:nvSpPr>
+          <p:cNvPr id="3" name="Notizenplatzhalter 2"/>
+          <p:cNvSpPr>
+            <a:spLocks noGrp="1"/>
+          </p:cNvSpPr>
+          <p:nvPr>
+            <p:ph type="body" idx="1"/>
+          </p:nvPr>
+        </p:nvSpPr>
+        <p:spPr/>
+        <p:txBody>
+          <a:bodyPr/>
+          <a:lstStyle/>
+          <a:p>
+            <a:endParaRPr lang="de-DE" dirty="0"/>
+          </a:p>
+        </p:txBody>
+      </p:sp>
+      <p:sp>
+        <p:nvSpPr>
+          <p:cNvPr id="4" name="Foliennummernplatzhalter 3"/>
+          <p:cNvSpPr>
+            <a:spLocks noGrp="1"/>
+          </p:cNvSpPr>
+          <p:nvPr>
+            <p:ph type="sldNum" sz="quarter" idx="10"/>
+          </p:nvPr>
+        </p:nvSpPr>
+        <p:spPr/>
+        <p:txBody>
+          <a:bodyPr/>
+          <a:lstStyle/>
+          <a:p>
+            <a:fld id="{58E666B9-4344-43B6-96B9-A8A1D210774A}" type="slidenum">
+              <a:rPr lang="de-DE" smtClean="0"/>
+              <a:t>10</a:t>
+            </a:fld>
+            <a:endParaRPr lang="de-DE" dirty="0"/>
+          </a:p>
+        </p:txBody>
+      </p:sp>
+    </p:spTree>
+    <p:extLst>
+      <p:ext uri="{BB962C8B-B14F-4D97-AF65-F5344CB8AC3E}">
+        <p14:creationId xmlns:p14="http://schemas.microsoft.com/office/powerpoint/2010/main" val="2768519966"/>
       </p:ext>
     </p:extLst>
   </p:cSld>
@@ -3389,18 +3461,6 @@
       </p:grpSpPr>
       <p:sp>
         <p:nvSpPr>
-          <p:cNvPr id="2" name="Folienbildplatzhalter 1"/>
-          <p:cNvSpPr>
-            <a:spLocks noGrp="1" noRot="1" noChangeAspect="1"/>
-          </p:cNvSpPr>
-          <p:nvPr>
-            <p:ph type="sldImg"/>
-          </p:nvPr>
-        </p:nvSpPr>
-        <p:spPr/>
-      </p:sp>
-      <p:sp>
-        <p:nvSpPr>
           <p:cNvPr id="3" name="Notizenplatzhalter 2"/>
           <p:cNvSpPr>
             <a:spLocks noGrp="1"/>
@@ -3414,64 +3474,7 @@
           <a:bodyPr/>
           <a:lstStyle/>
           <a:p>
-            <a:r>
-              <a:rPr lang="de-DE" dirty="0"/>
-              <a:t>Pazifismus: 	</a:t>
-            </a:r>
-            <a:r>
-              <a:rPr lang="de-DE" sz="1200" b="0" i="0" kern="1200" dirty="0">
-                <a:solidFill>
-                  <a:schemeClr val="tx1"/>
-                </a:solidFill>
-                <a:effectLst/>
-                <a:latin typeface="+mn-lt"/>
-                <a:ea typeface="+mn-ea"/>
-                <a:cs typeface="+mn-cs"/>
-              </a:rPr>
-              <a:t>Haltung, die Krieg und jegliche Form von Gewalt ablehnt.</a:t>
-            </a:r>
-            <a:endParaRPr lang="de-DE" dirty="0"/>
-          </a:p>
-          <a:p>
-            <a:r>
-              <a:rPr lang="de-DE" dirty="0"/>
-              <a:t>Militarismus: 	D</a:t>
-            </a:r>
-            <a:r>
-              <a:rPr lang="de-DE" sz="1200" b="0" i="0" kern="1200" dirty="0">
-                <a:solidFill>
-                  <a:schemeClr val="tx1"/>
-                </a:solidFill>
-                <a:effectLst/>
-                <a:latin typeface="+mn-lt"/>
-                <a:ea typeface="+mn-ea"/>
-                <a:cs typeface="+mn-cs"/>
-              </a:rPr>
-              <a:t>er Zustand, dass in Staat und Gesellschaft das Militär eine sehr große Bedeutung und Macht hat.</a:t>
-            </a:r>
-            <a:endParaRPr lang="de-DE" dirty="0"/>
-          </a:p>
-          <a:p>
-            <a:pPr marL="0" indent="0">
-              <a:buFont typeface="Arial" panose="020B0604020202020204" pitchFamily="34" charset="0"/>
-              <a:buNone/>
-            </a:pPr>
-            <a:r>
-              <a:rPr lang="de-DE" dirty="0"/>
-              <a:t>Realismus: 	Krieg ist ein notwendiges Mittel zur Realisierung nationaler politischen Interessen, </a:t>
-            </a:r>
-          </a:p>
-          <a:p>
-            <a:r>
-              <a:rPr lang="de-DE" dirty="0"/>
-              <a:t>	Moralität ist irrelevant da Konflikt mit staatl. Interessen</a:t>
-            </a:r>
-          </a:p>
-          <a:p>
-            <a:r>
-              <a:rPr lang="de-DE" dirty="0"/>
-              <a:t> </a:t>
-            </a:r>
+            <a:endParaRPr lang="de-DE"/>
           </a:p>
         </p:txBody>
       </p:sp>
@@ -3492,7 +3495,7 @@
           <a:p>
             <a:fld id="{58E666B9-4344-43B6-96B9-A8A1D210774A}" type="slidenum">
               <a:rPr lang="de-DE" smtClean="0"/>
-              <a:t>3</a:t>
+              <a:t>2</a:t>
             </a:fld>
             <a:endParaRPr lang="de-DE" dirty="0"/>
           </a:p>
@@ -3501,7 +3504,7 @@
     </p:spTree>
     <p:extLst>
       <p:ext uri="{BB962C8B-B14F-4D97-AF65-F5344CB8AC3E}">
-        <p14:creationId xmlns:p14="http://schemas.microsoft.com/office/powerpoint/2010/main" val="2304542156"/>
+        <p14:creationId xmlns:p14="http://schemas.microsoft.com/office/powerpoint/2010/main" val="3366244288"/>
       </p:ext>
     </p:extLst>
   </p:cSld>
@@ -3530,18 +3533,6 @@
       </p:grpSpPr>
       <p:sp>
         <p:nvSpPr>
-          <p:cNvPr id="2" name="Folienbildplatzhalter 1"/>
-          <p:cNvSpPr>
-            <a:spLocks noGrp="1" noRot="1" noChangeAspect="1"/>
-          </p:cNvSpPr>
-          <p:nvPr>
-            <p:ph type="sldImg"/>
-          </p:nvPr>
-        </p:nvSpPr>
-        <p:spPr/>
-      </p:sp>
-      <p:sp>
-        <p:nvSpPr>
           <p:cNvPr id="3" name="Notizenplatzhalter 2"/>
           <p:cNvSpPr>
             <a:spLocks noGrp="1"/>
@@ -3550,20 +3541,19 @@
             <p:ph type="body" idx="1"/>
           </p:nvPr>
         </p:nvSpPr>
-        <p:spPr/>
+        <p:spPr>
+          <a:xfrm>
+            <a:off x="666909" y="397065"/>
+            <a:ext cx="5335270" cy="8288743"/>
+          </a:xfrm>
+        </p:spPr>
         <p:txBody>
           <a:bodyPr/>
           <a:lstStyle/>
           <a:p>
             <a:r>
               <a:rPr lang="de-DE" dirty="0"/>
-              <a:t>Platon: 	nannte nicht den Begriff gerechter Krieg</a:t>
-            </a:r>
-          </a:p>
-          <a:p>
-            <a:r>
-              <a:rPr lang="de-DE" dirty="0"/>
-              <a:t>	</a:t>
+              <a:t>Pazifismus: 	- </a:t>
             </a:r>
             <a:r>
               <a:rPr lang="de-DE" sz="1200" b="0" i="0" kern="1200" dirty="0">
@@ -3575,21 +3565,16 @@
                 <a:ea typeface="+mn-ea"/>
                 <a:cs typeface="+mn-cs"/>
               </a:rPr>
-              <a:t>In solchen Fällen seien deren gewaltsame Verteidigung und gegebenenfalls Nothilfe für angegriffene Nachbarn nötig und gerecht.</a:t>
-            </a:r>
-          </a:p>
-          <a:p>
-            <a:r>
-              <a:rPr lang="de-DE" sz="1200" b="0" i="0" u="none" strike="noStrike" kern="1200" dirty="0">
-                <a:solidFill>
-                  <a:schemeClr val="tx1"/>
-                </a:solidFill>
-                <a:effectLst/>
-                <a:latin typeface="+mn-lt"/>
-                <a:ea typeface="+mn-ea"/>
-                <a:cs typeface="+mn-cs"/>
-              </a:rPr>
-              <a:t>	Angriffs-</a:t>
+              <a:t>Haltung, die Krieg und jegliche Form von Gewalt ablehnt.</a:t>
+            </a:r>
+          </a:p>
+          <a:p>
+            <a:endParaRPr lang="de-DE" dirty="0"/>
+          </a:p>
+          <a:p>
+            <a:r>
+              <a:rPr lang="de-DE" dirty="0"/>
+              <a:t>Militarismus: 	- D</a:t>
             </a:r>
             <a:r>
               <a:rPr lang="de-DE" sz="1200" b="0" i="0" kern="1200" dirty="0">
@@ -3601,129 +3586,118 @@
                 <a:ea typeface="+mn-ea"/>
                 <a:cs typeface="+mn-cs"/>
               </a:rPr>
-              <a:t> und Eroberungskriege seien ungerechte und unvernünftige Habgier.</a:t>
-            </a:r>
-          </a:p>
-          <a:p>
-            <a:r>
-              <a:rPr lang="de-DE" sz="1200" b="0" i="0" kern="1200" dirty="0">
-                <a:solidFill>
-                  <a:schemeClr val="tx1"/>
-                </a:solidFill>
-                <a:effectLst/>
-                <a:latin typeface="+mn-lt"/>
-                <a:ea typeface="+mn-ea"/>
-                <a:cs typeface="+mn-cs"/>
-              </a:rPr>
-              <a:t>	Nur Philosophen und Tugendwächter dürften einen gerechten Verteidigungsfall feststellen.</a:t>
-            </a:r>
-          </a:p>
-          <a:p>
-            <a:r>
-              <a:rPr lang="de-DE" sz="1200" b="0" i="0" u="none" strike="noStrike" kern="1200" dirty="0">
-                <a:solidFill>
-                  <a:schemeClr val="tx1"/>
-                </a:solidFill>
-                <a:effectLst/>
-                <a:latin typeface="+mn-lt"/>
-                <a:ea typeface="+mn-ea"/>
-                <a:cs typeface="+mn-cs"/>
-              </a:rPr>
-              <a:t>	Kriegsgefangene</a:t>
-            </a:r>
-            <a:r>
-              <a:rPr lang="de-DE" sz="1200" b="0" i="0" kern="1200" dirty="0">
-                <a:solidFill>
-                  <a:schemeClr val="tx1"/>
-                </a:solidFill>
-                <a:effectLst/>
-                <a:latin typeface="+mn-lt"/>
-                <a:ea typeface="+mn-ea"/>
-                <a:cs typeface="+mn-cs"/>
-              </a:rPr>
-              <a:t> dürften nicht versklavt und beraubt, das Land des Gegners müsse verschont, nur Schuldige dürften bestraft werden.</a:t>
-            </a:r>
-          </a:p>
-          <a:p>
-            <a:r>
-              <a:rPr lang="de-DE" sz="1200" b="0" i="0" kern="1200" dirty="0">
-                <a:solidFill>
-                  <a:schemeClr val="tx1"/>
-                </a:solidFill>
-                <a:effectLst/>
-                <a:latin typeface="+mn-lt"/>
-                <a:ea typeface="+mn-ea"/>
-                <a:cs typeface="+mn-cs"/>
-              </a:rPr>
-              <a:t>	Bei Angriffen unvernünftiger Barbaren sei nicht nur Sieg zur Herstellung von gerechtem Frieden, sondern Vernichtung der Feinde erforderlich.</a:t>
+              <a:t>er Zustand, dass in Staat und Gesellschaft das Militär eine sehr 	  große Bedeutung und Macht hat.</a:t>
             </a:r>
           </a:p>
           <a:p>
             <a:endParaRPr lang="de-DE" dirty="0"/>
           </a:p>
           <a:p>
+            <a:pPr marL="0" indent="0">
+              <a:buFont typeface="Arial" panose="020B0604020202020204" pitchFamily="34" charset="0"/>
+              <a:buNone/>
+            </a:pPr>
             <a:r>
               <a:rPr lang="de-DE" dirty="0"/>
-              <a:t>Aristoteles:	Manche Völker sind Sklaven -&gt; Sind unterworfen -&gt; Jagd auf sie ist erlaubt</a:t>
+              <a:t>Realismus: 	- Krieg ist ein notwendiges Mittel zur Realisierung nationaler 	  politischen Interessen, </a:t>
+            </a:r>
+          </a:p>
+          <a:p>
+            <a:r>
+              <a:rPr lang="de-DE" dirty="0"/>
+              <a:t>	- Moralität ist irrelevant da Konflikt mit staatl. Interessen</a:t>
             </a:r>
           </a:p>
           <a:p>
             <a:endParaRPr lang="de-DE" dirty="0"/>
           </a:p>
           <a:p>
-            <a:r>
-              <a:rPr lang="de-DE" sz="1200" b="0" i="0" kern="1200" dirty="0">
-                <a:solidFill>
-                  <a:schemeClr val="tx1"/>
-                </a:solidFill>
-                <a:effectLst/>
-                <a:latin typeface="+mn-lt"/>
-                <a:ea typeface="+mn-ea"/>
-                <a:cs typeface="+mn-cs"/>
-              </a:rPr>
-              <a:t>Cicero:	Römisches Reich</a:t>
-            </a:r>
-          </a:p>
-          <a:p>
-            <a:r>
-              <a:rPr lang="de-DE" sz="1200" b="0" i="0" kern="1200" dirty="0">
-                <a:solidFill>
-                  <a:schemeClr val="tx1"/>
-                </a:solidFill>
-                <a:effectLst/>
-                <a:latin typeface="+mn-lt"/>
-                <a:ea typeface="+mn-ea"/>
-                <a:cs typeface="+mn-cs"/>
-              </a:rPr>
-              <a:t>	Krieg muss 	</a:t>
-            </a:r>
+            <a:endParaRPr lang="de-DE" dirty="0"/>
+          </a:p>
+          <a:p>
+            <a:endParaRPr lang="de-DE" dirty="0"/>
+          </a:p>
+          <a:p>
+            <a:endParaRPr lang="de-DE" dirty="0"/>
+          </a:p>
+          <a:p>
+            <a:endParaRPr lang="de-DE" dirty="0"/>
+          </a:p>
+          <a:p>
+            <a:endParaRPr lang="de-DE" dirty="0"/>
+          </a:p>
+          <a:p>
+            <a:endParaRPr lang="de-DE" dirty="0"/>
+          </a:p>
+          <a:p>
+            <a:endParaRPr lang="de-DE" dirty="0"/>
+          </a:p>
+          <a:p>
+            <a:endParaRPr lang="de-DE" dirty="0"/>
+          </a:p>
+          <a:p>
+            <a:endParaRPr lang="de-DE" dirty="0"/>
+          </a:p>
+          <a:p>
+            <a:endParaRPr lang="de-DE" dirty="0"/>
+          </a:p>
+          <a:p>
+            <a:endParaRPr lang="de-DE" dirty="0"/>
+          </a:p>
+          <a:p>
+            <a:endParaRPr lang="de-DE" dirty="0"/>
+          </a:p>
+          <a:p>
+            <a:endParaRPr lang="de-DE" dirty="0"/>
+          </a:p>
+          <a:p>
+            <a:endParaRPr lang="de-DE" dirty="0"/>
+          </a:p>
+          <a:p>
+            <a:endParaRPr lang="de-DE" dirty="0"/>
+          </a:p>
+          <a:p>
+            <a:endParaRPr lang="de-DE" dirty="0"/>
+          </a:p>
+          <a:p>
+            <a:pPr lvl="0">
+              <a:defRPr/>
+            </a:pPr>
             <a:r>
               <a:rPr lang="de-DE" dirty="0"/>
-              <a:t>auf erlittenes Unrecht reagieren</a:t>
-            </a:r>
-          </a:p>
-          <a:p>
+              <a:t>Unterscheidung zwischen Soldaten und Zivilbevölkerung schwer Umsetzbar</a:t>
+            </a:r>
+          </a:p>
+          <a:p>
+            <a:pPr lvl="1"/>
             <a:r>
               <a:rPr lang="de-DE" dirty="0"/>
-              <a:t>		auf gescheiterte Verhandlungsversuche folgen</a:t>
-            </a:r>
-          </a:p>
-          <a:p>
+              <a:t>Moderne Waffen</a:t>
+            </a:r>
+          </a:p>
+          <a:p>
+            <a:pPr lvl="1"/>
             <a:r>
               <a:rPr lang="de-DE" dirty="0"/>
-              <a:t>		von der politischen Zentralmacht geführt werden, </a:t>
-            </a:r>
-          </a:p>
-          <a:p>
+              <a:t>Zwangseinzug</a:t>
+            </a:r>
+          </a:p>
+          <a:p>
+            <a:pPr lvl="0"/>
+            <a:endParaRPr lang="de-DE" dirty="0"/>
+          </a:p>
+          <a:p>
+            <a:pPr lvl="0"/>
             <a:r>
               <a:rPr lang="de-DE" dirty="0"/>
-              <a:t>		von sakralen Autoritäten formal legitimiert werden</a:t>
-            </a:r>
-          </a:p>
-          <a:p>
+              <a:t>Pazifismus:</a:t>
+            </a:r>
+          </a:p>
+          <a:p>
+            <a:pPr lvl="1"/>
             <a:r>
               <a:rPr lang="de-DE" dirty="0"/>
-              <a:t>		den verletzten Rechtszustand wiederherstellen und Schäden wiedergutmachen </a:t>
+              <a:t>Deshalb muss Krieg komplett vermieden werden</a:t>
             </a:r>
           </a:p>
           <a:p>
@@ -3732,28 +3706,7 @@
           <a:p>
             <a:r>
               <a:rPr lang="de-DE" dirty="0"/>
-              <a:t>Mittelalter:	die Vollmacht des Fürsten Krieg zu erklären und zu führen</a:t>
-            </a:r>
-          </a:p>
-          <a:p>
-            <a:r>
-              <a:rPr lang="de-DE" dirty="0"/>
-              <a:t>	den gerechten Grund zum Krieg </a:t>
-            </a:r>
-          </a:p>
-          <a:p>
-            <a:r>
-              <a:rPr lang="de-DE" dirty="0"/>
-              <a:t>	die rechte Absicht der Kriegsführer</a:t>
-            </a:r>
-          </a:p>
-          <a:p>
-            <a:endParaRPr lang="de-DE" dirty="0"/>
-          </a:p>
-          <a:p>
-            <a:r>
-              <a:rPr lang="de-DE" dirty="0"/>
-              <a:t>Franz. Rev.:	da uneingeschränktes Kriegsrecht -&gt; Fokus auf ius in bello</a:t>
+              <a:t> </a:t>
             </a:r>
           </a:p>
         </p:txBody>
@@ -3775,7 +3728,7 @@
           <a:p>
             <a:fld id="{58E666B9-4344-43B6-96B9-A8A1D210774A}" type="slidenum">
               <a:rPr lang="de-DE" smtClean="0"/>
-              <a:t>5</a:t>
+              <a:t>3</a:t>
             </a:fld>
             <a:endParaRPr lang="de-DE" dirty="0"/>
           </a:p>
@@ -3784,7 +3737,7 @@
     </p:spTree>
     <p:extLst>
       <p:ext uri="{BB962C8B-B14F-4D97-AF65-F5344CB8AC3E}">
-        <p14:creationId xmlns:p14="http://schemas.microsoft.com/office/powerpoint/2010/main" val="453297387"/>
+        <p14:creationId xmlns:p14="http://schemas.microsoft.com/office/powerpoint/2010/main" val="2304542156"/>
       </p:ext>
     </p:extLst>
   </p:cSld>
@@ -3838,59 +3791,7 @@
           <a:bodyPr/>
           <a:lstStyle/>
           <a:p>
-            <a:pPr marL="0" marR="0" lvl="0" indent="0" algn="l" defTabSz="914400" rtl="0" eaLnBrk="1" fontAlgn="auto" latinLnBrk="0" hangingPunct="1">
-              <a:lnSpc>
-                <a:spcPct val="100000"/>
-              </a:lnSpc>
-              <a:spcBef>
-                <a:spcPts val="0"/>
-              </a:spcBef>
-              <a:spcAft>
-                <a:spcPts val="0"/>
-              </a:spcAft>
-              <a:buClrTx/>
-              <a:buSzTx/>
-              <a:buFontTx/>
-              <a:buNone/>
-              <a:tabLst/>
-              <a:defRPr/>
-            </a:pPr>
-            <a:r>
-              <a:rPr lang="de-DE" dirty="0"/>
-              <a:t>Unterscheidung zwischen Soldaten und Zivilbevölkerung schwer Umsetzbar</a:t>
-            </a:r>
-          </a:p>
-          <a:p>
-            <a:pPr lvl="1"/>
-            <a:r>
-              <a:rPr lang="de-DE" dirty="0"/>
-              <a:t>Moderne Waffen</a:t>
-            </a:r>
-          </a:p>
-          <a:p>
-            <a:pPr lvl="1"/>
-            <a:r>
-              <a:rPr lang="de-DE" dirty="0"/>
-              <a:t>Zwangseinzug</a:t>
-            </a:r>
-          </a:p>
-          <a:p>
-            <a:pPr lvl="0"/>
-            <a:endParaRPr lang="de-DE" dirty="0"/>
-          </a:p>
-          <a:p>
-            <a:pPr lvl="0"/>
-            <a:r>
-              <a:rPr lang="de-DE" dirty="0"/>
-              <a:t>Pazifismus:</a:t>
-            </a:r>
-          </a:p>
-          <a:p>
-            <a:pPr lvl="1"/>
-            <a:r>
-              <a:rPr lang="de-DE" dirty="0"/>
-              <a:t>Deshalb muss Krieg komplett vermieden werden</a:t>
-            </a:r>
+            <a:endParaRPr lang="de-DE"/>
           </a:p>
         </p:txBody>
       </p:sp>
@@ -3911,7 +3812,7 @@
           <a:p>
             <a:fld id="{58E666B9-4344-43B6-96B9-A8A1D210774A}" type="slidenum">
               <a:rPr lang="de-DE" smtClean="0"/>
-              <a:t>8</a:t>
+              <a:t>4</a:t>
             </a:fld>
             <a:endParaRPr lang="de-DE" dirty="0"/>
           </a:p>
@@ -3920,7 +3821,7 @@
     </p:spTree>
     <p:extLst>
       <p:ext uri="{BB962C8B-B14F-4D97-AF65-F5344CB8AC3E}">
-        <p14:creationId xmlns:p14="http://schemas.microsoft.com/office/powerpoint/2010/main" val="68504466"/>
+        <p14:creationId xmlns:p14="http://schemas.microsoft.com/office/powerpoint/2010/main" val="1202417086"/>
       </p:ext>
     </p:extLst>
   </p:cSld>
@@ -3949,18 +3850,6 @@
       </p:grpSpPr>
       <p:sp>
         <p:nvSpPr>
-          <p:cNvPr id="2" name="Folienbildplatzhalter 1"/>
-          <p:cNvSpPr>
-            <a:spLocks noGrp="1" noRot="1" noChangeAspect="1"/>
-          </p:cNvSpPr>
-          <p:nvPr>
-            <p:ph type="sldImg"/>
-          </p:nvPr>
-        </p:nvSpPr>
-        <p:spPr/>
-      </p:sp>
-      <p:sp>
-        <p:nvSpPr>
           <p:cNvPr id="3" name="Notizenplatzhalter 2"/>
           <p:cNvSpPr>
             <a:spLocks noGrp="1"/>
@@ -3969,27 +3858,312 @@
             <p:ph type="body" idx="1"/>
           </p:nvPr>
         </p:nvSpPr>
-        <p:spPr/>
+        <p:spPr>
+          <a:xfrm>
+            <a:off x="666909" y="335023"/>
+            <a:ext cx="5335270" cy="9184757"/>
+          </a:xfrm>
+        </p:spPr>
         <p:txBody>
           <a:bodyPr/>
           <a:lstStyle/>
           <a:p>
             <a:r>
               <a:rPr lang="de-DE" dirty="0"/>
-              <a:t>UN-Charta??</a:t>
-            </a:r>
+              <a:t>Pazifismus: 	- Haltung, die Krieg und jegliche Form von Gewalt ablehnt.</a:t>
+            </a:r>
+          </a:p>
+          <a:p>
+            <a:endParaRPr lang="de-DE" dirty="0"/>
           </a:p>
           <a:p>
             <a:r>
               <a:rPr lang="de-DE" dirty="0"/>
-              <a:t>Kant??</a:t>
-            </a:r>
+              <a:t>Militarismus: 	- Der Zustand, dass in Staat und Gesellschaft das Militär eine sehr 	  große Bedeutung und Macht hat.</a:t>
+            </a:r>
+          </a:p>
+          <a:p>
+            <a:endParaRPr lang="de-DE" dirty="0"/>
           </a:p>
           <a:p>
             <a:r>
               <a:rPr lang="de-DE" dirty="0"/>
-              <a:t>Ethik-Sternchenthemen??</a:t>
-            </a:r>
+              <a:t>Realismus: 	- Krieg ist ein notwendiges Mittel zur Realisierung nationaler 	  politischen Interessen, </a:t>
+            </a:r>
+          </a:p>
+          <a:p>
+            <a:r>
+              <a:rPr lang="de-DE" dirty="0"/>
+              <a:t>	- Moralität ist irrelevant da Konflikt mit staatl. Interessen</a:t>
+            </a:r>
+          </a:p>
+          <a:p>
+            <a:endParaRPr lang="de-DE" dirty="0"/>
+          </a:p>
+          <a:p>
+            <a:r>
+              <a:rPr lang="de-DE" dirty="0"/>
+              <a:t>---------------------------------------------------------------------------------------------------------------</a:t>
+            </a:r>
+          </a:p>
+          <a:p>
+            <a:endParaRPr lang="de-DE" dirty="0"/>
+          </a:p>
+          <a:p>
+            <a:r>
+              <a:rPr lang="de-DE" dirty="0"/>
+              <a:t>Platon: 	- nannte nicht den Begriff gerechter Krieg</a:t>
+            </a:r>
+          </a:p>
+          <a:p>
+            <a:r>
+              <a:rPr lang="de-DE" dirty="0"/>
+              <a:t>	- Notwehr für sich + Nachbarn gerecht</a:t>
+            </a:r>
+            <a:endParaRPr lang="de-DE" sz="1200" b="0" i="0" kern="1200" dirty="0">
+              <a:solidFill>
+                <a:schemeClr val="tx1"/>
+              </a:solidFill>
+              <a:effectLst/>
+              <a:latin typeface="+mn-lt"/>
+              <a:ea typeface="+mn-ea"/>
+              <a:cs typeface="+mn-cs"/>
+            </a:endParaRPr>
+          </a:p>
+          <a:p>
+            <a:r>
+              <a:rPr lang="de-DE" sz="1200" b="0" i="0" u="none" strike="noStrike" kern="1200" dirty="0">
+                <a:solidFill>
+                  <a:schemeClr val="tx1"/>
+                </a:solidFill>
+                <a:effectLst/>
+                <a:latin typeface="+mn-lt"/>
+                <a:ea typeface="+mn-ea"/>
+                <a:cs typeface="+mn-cs"/>
+              </a:rPr>
+              <a:t>	-  Angriffs-</a:t>
+            </a:r>
+            <a:r>
+              <a:rPr lang="de-DE" sz="1200" b="0" i="0" kern="1200" dirty="0">
+                <a:solidFill>
+                  <a:schemeClr val="tx1"/>
+                </a:solidFill>
+                <a:effectLst/>
+                <a:latin typeface="+mn-lt"/>
+                <a:ea typeface="+mn-ea"/>
+                <a:cs typeface="+mn-cs"/>
+              </a:rPr>
+              <a:t> und Eroberungskriege seien ungerechte und 	     	   unvernünftige Habgier.</a:t>
+            </a:r>
+          </a:p>
+          <a:p>
+            <a:r>
+              <a:rPr lang="de-DE" sz="1200" b="0" i="0" kern="1200" dirty="0">
+                <a:solidFill>
+                  <a:schemeClr val="tx1"/>
+                </a:solidFill>
+                <a:effectLst/>
+                <a:latin typeface="+mn-lt"/>
+                <a:ea typeface="+mn-ea"/>
+                <a:cs typeface="+mn-cs"/>
+              </a:rPr>
+              <a:t>	- Nur Philosophen und Tugendwächter dürften einen gerechten 	  Verteidigungsfall feststellen.</a:t>
+            </a:r>
+          </a:p>
+          <a:p>
+            <a:r>
+              <a:rPr lang="de-DE" dirty="0"/>
+              <a:t>	</a:t>
+            </a:r>
+            <a:r>
+              <a:rPr lang="de-DE" sz="1200" b="0" i="0" u="none" strike="noStrike" kern="1200" dirty="0">
+                <a:solidFill>
+                  <a:schemeClr val="tx1"/>
+                </a:solidFill>
+                <a:effectLst/>
+                <a:latin typeface="+mn-lt"/>
+                <a:ea typeface="+mn-ea"/>
+                <a:cs typeface="+mn-cs"/>
+              </a:rPr>
+              <a:t>- Kriegsgefangene</a:t>
+            </a:r>
+            <a:r>
+              <a:rPr lang="de-DE" sz="1200" b="0" i="0" kern="1200" dirty="0">
+                <a:solidFill>
+                  <a:schemeClr val="tx1"/>
+                </a:solidFill>
+                <a:effectLst/>
+                <a:latin typeface="+mn-lt"/>
+                <a:ea typeface="+mn-ea"/>
+                <a:cs typeface="+mn-cs"/>
+              </a:rPr>
+              <a:t> dürften nicht versklavt und beraubt, das Land des 	   Gegners müsse verschont, nur Schuldige dürften bestraft werden.</a:t>
+            </a:r>
+          </a:p>
+          <a:p>
+            <a:r>
+              <a:rPr lang="de-DE" sz="1200" b="0" i="0" kern="1200" dirty="0">
+                <a:solidFill>
+                  <a:schemeClr val="tx1"/>
+                </a:solidFill>
+                <a:effectLst/>
+                <a:latin typeface="+mn-lt"/>
+                <a:ea typeface="+mn-ea"/>
+                <a:cs typeface="+mn-cs"/>
+              </a:rPr>
+              <a:t>	- Bei Angriffen unvernünftiger Barbaren sei nicht nur Sieg zur 	   Herstellung von gerechtem Frieden, sondern Vernichtung der 	   Feinde erforderlich.</a:t>
+            </a:r>
+          </a:p>
+          <a:p>
+            <a:endParaRPr lang="de-DE" dirty="0"/>
+          </a:p>
+          <a:p>
+            <a:r>
+              <a:rPr lang="de-DE" dirty="0"/>
+              <a:t>Aristoteles:	Manche Völker sind Sklaven -&gt; Sind unterworfen -&gt; Jagd auf sie ist 	erlaubt</a:t>
+            </a:r>
+          </a:p>
+          <a:p>
+            <a:endParaRPr lang="de-DE" dirty="0"/>
+          </a:p>
+          <a:p>
+            <a:r>
+              <a:rPr lang="de-DE" sz="1200" b="0" i="0" kern="1200" dirty="0">
+                <a:solidFill>
+                  <a:schemeClr val="tx1"/>
+                </a:solidFill>
+                <a:effectLst/>
+                <a:latin typeface="+mn-lt"/>
+                <a:ea typeface="+mn-ea"/>
+                <a:cs typeface="+mn-cs"/>
+              </a:rPr>
+              <a:t>Cicero:	Römisches Reich</a:t>
+            </a:r>
+          </a:p>
+          <a:p>
+            <a:r>
+              <a:rPr lang="de-DE" sz="1200" b="0" i="0" kern="1200" dirty="0">
+                <a:solidFill>
+                  <a:schemeClr val="tx1"/>
+                </a:solidFill>
+                <a:effectLst/>
+                <a:latin typeface="+mn-lt"/>
+                <a:ea typeface="+mn-ea"/>
+                <a:cs typeface="+mn-cs"/>
+              </a:rPr>
+              <a:t>	Krieg muss 	-</a:t>
+            </a:r>
+            <a:r>
+              <a:rPr lang="de-DE" dirty="0"/>
+              <a:t>auf erlittenes Unrecht reagieren</a:t>
+            </a:r>
+          </a:p>
+          <a:p>
+            <a:r>
+              <a:rPr lang="de-DE" dirty="0"/>
+              <a:t>		-auf gescheiterte Verhandlungsversuche folgen</a:t>
+            </a:r>
+          </a:p>
+          <a:p>
+            <a:r>
+              <a:rPr lang="de-DE" dirty="0"/>
+              <a:t>		-von der politischen Zentralmacht geführt werden, </a:t>
+            </a:r>
+          </a:p>
+          <a:p>
+            <a:r>
+              <a:rPr lang="de-DE" dirty="0"/>
+              <a:t>		-von sakralen Autoritäten formal legitimiert werden</a:t>
+            </a:r>
+          </a:p>
+          <a:p>
+            <a:r>
+              <a:rPr lang="de-DE" dirty="0"/>
+              <a:t>		-den verletzten Rechtszustand wiederherstellen und 		 Schäden wiedergutmachen </a:t>
+            </a:r>
+          </a:p>
+          <a:p>
+            <a:endParaRPr lang="de-DE" dirty="0"/>
+          </a:p>
+          <a:p>
+            <a:r>
+              <a:rPr lang="de-DE" dirty="0"/>
+              <a:t>Mittelalter:	die Vollmacht des Fürsten Krieg zu erklären und zu führen</a:t>
+            </a:r>
+          </a:p>
+          <a:p>
+            <a:r>
+              <a:rPr lang="de-DE" dirty="0"/>
+              <a:t>	den gerechten Grund zum Krieg </a:t>
+            </a:r>
+          </a:p>
+          <a:p>
+            <a:r>
+              <a:rPr lang="de-DE" dirty="0"/>
+              <a:t>	die rechte Absicht der Kriegsführer</a:t>
+            </a:r>
+          </a:p>
+          <a:p>
+            <a:endParaRPr lang="de-DE" dirty="0"/>
+          </a:p>
+          <a:p>
+            <a:r>
+              <a:rPr lang="de-DE" dirty="0"/>
+              <a:t>Franz. Rev.:	da uneingeschränktes Kriegsrecht -&gt; Fokus auf ius in bello</a:t>
+            </a:r>
+          </a:p>
+          <a:p>
+            <a:endParaRPr lang="de-DE" dirty="0"/>
+          </a:p>
+          <a:p>
+            <a:r>
+              <a:rPr lang="de-DE" dirty="0"/>
+              <a:t>---------------------------------------------------------------------------------------------------------------</a:t>
+            </a:r>
+          </a:p>
+          <a:p>
+            <a:endParaRPr lang="de-DE" dirty="0"/>
+          </a:p>
+          <a:p>
+            <a:pPr lvl="0">
+              <a:defRPr/>
+            </a:pPr>
+            <a:r>
+              <a:rPr lang="de-DE" dirty="0"/>
+              <a:t>Unterscheidung zwischen Soldaten und Zivilbevölkerung schwer Umsetzbar</a:t>
+            </a:r>
+          </a:p>
+          <a:p>
+            <a:pPr lvl="0">
+              <a:defRPr/>
+            </a:pPr>
+            <a:r>
+              <a:rPr lang="de-DE" dirty="0"/>
+              <a:t>	- Moderne Waffen</a:t>
+            </a:r>
+          </a:p>
+          <a:p>
+            <a:pPr lvl="0">
+              <a:defRPr/>
+            </a:pPr>
+            <a:r>
+              <a:rPr lang="de-DE" dirty="0"/>
+              <a:t>	- Zwangseinzug</a:t>
+            </a:r>
+          </a:p>
+          <a:p>
+            <a:pPr lvl="0"/>
+            <a:endParaRPr lang="de-DE" dirty="0"/>
+          </a:p>
+          <a:p>
+            <a:pPr lvl="0"/>
+            <a:r>
+              <a:rPr lang="de-DE" dirty="0"/>
+              <a:t>Pazifismus:	- Deshalb muss Krieg komplett vermieden werden</a:t>
+            </a:r>
+          </a:p>
+          <a:p>
+            <a:endParaRPr lang="de-DE" dirty="0"/>
           </a:p>
         </p:txBody>
       </p:sp>
@@ -4008,10 +4182,6 @@
           <a:bodyPr/>
           <a:lstStyle/>
           <a:p>
-            <a:fld id="{58E666B9-4344-43B6-96B9-A8A1D210774A}" type="slidenum">
-              <a:rPr lang="de-DE" smtClean="0"/>
-              <a:t>9</a:t>
-            </a:fld>
             <a:endParaRPr lang="de-DE" dirty="0"/>
           </a:p>
         </p:txBody>
@@ -4019,7 +4189,7 @@
     </p:spTree>
     <p:extLst>
       <p:ext uri="{BB962C8B-B14F-4D97-AF65-F5344CB8AC3E}">
-        <p14:creationId xmlns:p14="http://schemas.microsoft.com/office/powerpoint/2010/main" val="867517631"/>
+        <p14:creationId xmlns:p14="http://schemas.microsoft.com/office/powerpoint/2010/main" val="453297387"/>
       </p:ext>
     </p:extLst>
   </p:cSld>
@@ -4073,7 +4243,7 @@
           <a:bodyPr/>
           <a:lstStyle/>
           <a:p>
-            <a:endParaRPr lang="de-DE" dirty="0"/>
+            <a:endParaRPr lang="de-DE"/>
           </a:p>
         </p:txBody>
       </p:sp>
@@ -4094,7 +4264,7 @@
           <a:p>
             <a:fld id="{58E666B9-4344-43B6-96B9-A8A1D210774A}" type="slidenum">
               <a:rPr lang="de-DE" smtClean="0"/>
-              <a:t>10</a:t>
+              <a:t>6</a:t>
             </a:fld>
             <a:endParaRPr lang="de-DE" dirty="0"/>
           </a:p>
@@ -4103,7 +4273,296 @@
     </p:spTree>
     <p:extLst>
       <p:ext uri="{BB962C8B-B14F-4D97-AF65-F5344CB8AC3E}">
-        <p14:creationId xmlns:p14="http://schemas.microsoft.com/office/powerpoint/2010/main" val="2768519966"/>
+        <p14:creationId xmlns:p14="http://schemas.microsoft.com/office/powerpoint/2010/main" val="4114822660"/>
+      </p:ext>
+    </p:extLst>
+  </p:cSld>
+  <p:clrMapOvr>
+    <a:masterClrMapping/>
+  </p:clrMapOvr>
+</p:notes>
+</file>
+
+<file path=ppt/notesSlides/notesSlide7.xml><?xml version="1.0" encoding="utf-8"?>
+<p:notes xmlns:a="http://schemas.openxmlformats.org/drawingml/2006/main" xmlns:r="http://schemas.openxmlformats.org/officeDocument/2006/relationships" xmlns:p="http://schemas.openxmlformats.org/presentationml/2006/main">
+  <p:cSld>
+    <p:spTree>
+      <p:nvGrpSpPr>
+        <p:cNvPr id="1" name=""/>
+        <p:cNvGrpSpPr/>
+        <p:nvPr/>
+      </p:nvGrpSpPr>
+      <p:grpSpPr>
+        <a:xfrm>
+          <a:off x="0" y="0"/>
+          <a:ext cx="0" cy="0"/>
+          <a:chOff x="0" y="0"/>
+          <a:chExt cx="0" cy="0"/>
+        </a:xfrm>
+      </p:grpSpPr>
+      <p:sp>
+        <p:nvSpPr>
+          <p:cNvPr id="2" name="Folienbildplatzhalter 1"/>
+          <p:cNvSpPr>
+            <a:spLocks noGrp="1" noRot="1" noChangeAspect="1"/>
+          </p:cNvSpPr>
+          <p:nvPr>
+            <p:ph type="sldImg"/>
+          </p:nvPr>
+        </p:nvSpPr>
+        <p:spPr/>
+      </p:sp>
+      <p:sp>
+        <p:nvSpPr>
+          <p:cNvPr id="3" name="Notizenplatzhalter 2"/>
+          <p:cNvSpPr>
+            <a:spLocks noGrp="1"/>
+          </p:cNvSpPr>
+          <p:nvPr>
+            <p:ph type="body" idx="1"/>
+          </p:nvPr>
+        </p:nvSpPr>
+        <p:spPr/>
+        <p:txBody>
+          <a:bodyPr/>
+          <a:lstStyle/>
+          <a:p>
+            <a:endParaRPr lang="de-DE"/>
+          </a:p>
+        </p:txBody>
+      </p:sp>
+      <p:sp>
+        <p:nvSpPr>
+          <p:cNvPr id="4" name="Foliennummernplatzhalter 3"/>
+          <p:cNvSpPr>
+            <a:spLocks noGrp="1"/>
+          </p:cNvSpPr>
+          <p:nvPr>
+            <p:ph type="sldNum" sz="quarter" idx="10"/>
+          </p:nvPr>
+        </p:nvSpPr>
+        <p:spPr/>
+        <p:txBody>
+          <a:bodyPr/>
+          <a:lstStyle/>
+          <a:p>
+            <a:fld id="{58E666B9-4344-43B6-96B9-A8A1D210774A}" type="slidenum">
+              <a:rPr lang="de-DE" smtClean="0"/>
+              <a:t>7</a:t>
+            </a:fld>
+            <a:endParaRPr lang="de-DE" dirty="0"/>
+          </a:p>
+        </p:txBody>
+      </p:sp>
+    </p:spTree>
+    <p:extLst>
+      <p:ext uri="{BB962C8B-B14F-4D97-AF65-F5344CB8AC3E}">
+        <p14:creationId xmlns:p14="http://schemas.microsoft.com/office/powerpoint/2010/main" val="2193139623"/>
+      </p:ext>
+    </p:extLst>
+  </p:cSld>
+  <p:clrMapOvr>
+    <a:masterClrMapping/>
+  </p:clrMapOvr>
+</p:notes>
+</file>
+
+<file path=ppt/notesSlides/notesSlide8.xml><?xml version="1.0" encoding="utf-8"?>
+<p:notes xmlns:a="http://schemas.openxmlformats.org/drawingml/2006/main" xmlns:r="http://schemas.openxmlformats.org/officeDocument/2006/relationships" xmlns:p="http://schemas.openxmlformats.org/presentationml/2006/main">
+  <p:cSld>
+    <p:spTree>
+      <p:nvGrpSpPr>
+        <p:cNvPr id="1" name=""/>
+        <p:cNvGrpSpPr/>
+        <p:nvPr/>
+      </p:nvGrpSpPr>
+      <p:grpSpPr>
+        <a:xfrm>
+          <a:off x="0" y="0"/>
+          <a:ext cx="0" cy="0"/>
+          <a:chOff x="0" y="0"/>
+          <a:chExt cx="0" cy="0"/>
+        </a:xfrm>
+      </p:grpSpPr>
+      <p:sp>
+        <p:nvSpPr>
+          <p:cNvPr id="3" name="Notizenplatzhalter 2"/>
+          <p:cNvSpPr>
+            <a:spLocks noGrp="1"/>
+          </p:cNvSpPr>
+          <p:nvPr>
+            <p:ph type="body" idx="1"/>
+          </p:nvPr>
+        </p:nvSpPr>
+        <p:spPr/>
+        <p:txBody>
+          <a:bodyPr/>
+          <a:lstStyle/>
+          <a:p>
+            <a:pPr marL="0" marR="0" lvl="0" indent="0" algn="l" defTabSz="914400" rtl="0" eaLnBrk="1" fontAlgn="auto" latinLnBrk="0" hangingPunct="1">
+              <a:lnSpc>
+                <a:spcPct val="100000"/>
+              </a:lnSpc>
+              <a:spcBef>
+                <a:spcPts val="0"/>
+              </a:spcBef>
+              <a:spcAft>
+                <a:spcPts val="0"/>
+              </a:spcAft>
+              <a:buClrTx/>
+              <a:buSzTx/>
+              <a:buFontTx/>
+              <a:buNone/>
+              <a:tabLst/>
+              <a:defRPr/>
+            </a:pPr>
+            <a:r>
+              <a:rPr lang="de-DE" dirty="0"/>
+              <a:t>Unterscheidung zwischen Soldaten und Zivilbevölkerung schwer Umsetzbar</a:t>
+            </a:r>
+          </a:p>
+          <a:p>
+            <a:pPr lvl="1"/>
+            <a:r>
+              <a:rPr lang="de-DE" dirty="0"/>
+              <a:t>Moderne Waffen</a:t>
+            </a:r>
+          </a:p>
+          <a:p>
+            <a:pPr lvl="1"/>
+            <a:r>
+              <a:rPr lang="de-DE" dirty="0"/>
+              <a:t>Zwangseinzug</a:t>
+            </a:r>
+          </a:p>
+          <a:p>
+            <a:pPr lvl="0"/>
+            <a:endParaRPr lang="de-DE" dirty="0"/>
+          </a:p>
+          <a:p>
+            <a:pPr lvl="0"/>
+            <a:r>
+              <a:rPr lang="de-DE" dirty="0"/>
+              <a:t>Pazifismus:</a:t>
+            </a:r>
+          </a:p>
+          <a:p>
+            <a:pPr lvl="1"/>
+            <a:r>
+              <a:rPr lang="de-DE" dirty="0"/>
+              <a:t>Deshalb muss Krieg komplett vermieden werden</a:t>
+            </a:r>
+          </a:p>
+        </p:txBody>
+      </p:sp>
+      <p:sp>
+        <p:nvSpPr>
+          <p:cNvPr id="4" name="Foliennummernplatzhalter 3"/>
+          <p:cNvSpPr>
+            <a:spLocks noGrp="1"/>
+          </p:cNvSpPr>
+          <p:nvPr>
+            <p:ph type="sldNum" sz="quarter" idx="10"/>
+          </p:nvPr>
+        </p:nvSpPr>
+        <p:spPr/>
+        <p:txBody>
+          <a:bodyPr/>
+          <a:lstStyle/>
+          <a:p>
+            <a:fld id="{58E666B9-4344-43B6-96B9-A8A1D210774A}" type="slidenum">
+              <a:rPr lang="de-DE" smtClean="0"/>
+              <a:t>8</a:t>
+            </a:fld>
+            <a:endParaRPr lang="de-DE" dirty="0"/>
+          </a:p>
+        </p:txBody>
+      </p:sp>
+    </p:spTree>
+    <p:extLst>
+      <p:ext uri="{BB962C8B-B14F-4D97-AF65-F5344CB8AC3E}">
+        <p14:creationId xmlns:p14="http://schemas.microsoft.com/office/powerpoint/2010/main" val="68504466"/>
+      </p:ext>
+    </p:extLst>
+  </p:cSld>
+  <p:clrMapOvr>
+    <a:masterClrMapping/>
+  </p:clrMapOvr>
+</p:notes>
+</file>
+
+<file path=ppt/notesSlides/notesSlide9.xml><?xml version="1.0" encoding="utf-8"?>
+<p:notes xmlns:a="http://schemas.openxmlformats.org/drawingml/2006/main" xmlns:r="http://schemas.openxmlformats.org/officeDocument/2006/relationships" xmlns:p="http://schemas.openxmlformats.org/presentationml/2006/main">
+  <p:cSld>
+    <p:spTree>
+      <p:nvGrpSpPr>
+        <p:cNvPr id="1" name=""/>
+        <p:cNvGrpSpPr/>
+        <p:nvPr/>
+      </p:nvGrpSpPr>
+      <p:grpSpPr>
+        <a:xfrm>
+          <a:off x="0" y="0"/>
+          <a:ext cx="0" cy="0"/>
+          <a:chOff x="0" y="0"/>
+          <a:chExt cx="0" cy="0"/>
+        </a:xfrm>
+      </p:grpSpPr>
+      <p:sp>
+        <p:nvSpPr>
+          <p:cNvPr id="3" name="Notizenplatzhalter 2"/>
+          <p:cNvSpPr>
+            <a:spLocks noGrp="1"/>
+          </p:cNvSpPr>
+          <p:nvPr>
+            <p:ph type="body" idx="1"/>
+          </p:nvPr>
+        </p:nvSpPr>
+        <p:spPr/>
+        <p:txBody>
+          <a:bodyPr/>
+          <a:lstStyle/>
+          <a:p>
+            <a:r>
+              <a:rPr lang="de-DE" dirty="0"/>
+              <a:t>Kant??</a:t>
+            </a:r>
+          </a:p>
+          <a:p>
+            <a:r>
+              <a:rPr lang="de-DE" dirty="0"/>
+              <a:t>Ethik-Sternchenthemen??</a:t>
+            </a:r>
+          </a:p>
+        </p:txBody>
+      </p:sp>
+      <p:sp>
+        <p:nvSpPr>
+          <p:cNvPr id="4" name="Foliennummernplatzhalter 3"/>
+          <p:cNvSpPr>
+            <a:spLocks noGrp="1"/>
+          </p:cNvSpPr>
+          <p:nvPr>
+            <p:ph type="sldNum" sz="quarter" idx="10"/>
+          </p:nvPr>
+        </p:nvSpPr>
+        <p:spPr/>
+        <p:txBody>
+          <a:bodyPr/>
+          <a:lstStyle/>
+          <a:p>
+            <a:fld id="{58E666B9-4344-43B6-96B9-A8A1D210774A}" type="slidenum">
+              <a:rPr lang="de-DE" smtClean="0"/>
+              <a:t>9</a:t>
+            </a:fld>
+            <a:endParaRPr lang="de-DE" dirty="0"/>
+          </a:p>
+        </p:txBody>
+      </p:sp>
+    </p:spTree>
+    <p:extLst>
+      <p:ext uri="{BB962C8B-B14F-4D97-AF65-F5344CB8AC3E}">
+        <p14:creationId xmlns:p14="http://schemas.microsoft.com/office/powerpoint/2010/main" val="867517631"/>
       </p:ext>
     </p:extLst>
   </p:cSld>
@@ -11165,13 +11624,8 @@
             </a:pPr>
             <a:r>
               <a:rPr lang="de-DE" dirty="0"/>
-              <a:t>Jeder Krieg ist ungerecht, man kann ihn nicht </a:t>
-            </a:r>
-            <a:r>
-              <a:rPr lang="de-DE" dirty="0" err="1"/>
-              <a:t>bewertrn</a:t>
-            </a:r>
-            <a:endParaRPr lang="de-DE" dirty="0"/>
+              <a:t>Jeder Krieg ist ungerecht, man kann ihn nicht bewerten</a:t>
+            </a:r>
           </a:p>
           <a:p>
             <a:pPr>
@@ -11328,7 +11782,7 @@
             </a:pPr>
             <a:r>
               <a:rPr lang="de-DE" dirty="0"/>
-              <a:t>Krieg kann laut Völkerrecht gerecht sein</a:t>
+              <a:t>Krieg kann nie gerecht sein</a:t>
             </a:r>
           </a:p>
           <a:p>
@@ -11338,7 +11792,7 @@
             </a:pPr>
             <a:r>
               <a:rPr lang="de-DE" dirty="0"/>
-              <a:t>Kann moralisch Vertretbar sein</a:t>
+              <a:t>Krieg wird allerdings teilweise benötigt</a:t>
             </a:r>
           </a:p>
           <a:p>
@@ -11348,23 +11802,18 @@
             </a:pPr>
             <a:r>
               <a:rPr lang="de-DE" dirty="0"/>
-              <a:t>Für einzelne Menschen immer ungerecht</a:t>
-            </a:r>
-          </a:p>
-          <a:p>
-            <a:pPr>
+              <a:t>Krieg als letztes Mittel gegen Ungerechtigkeit in Ordnung</a:t>
+            </a:r>
+          </a:p>
+          <a:p>
+            <a:pPr lvl="1">
               <a:buFont typeface="Arial" panose="020B0604020202020204" pitchFamily="34" charset="0"/>
               <a:buChar char="•"/>
             </a:pPr>
             <a:r>
               <a:rPr lang="de-DE" dirty="0"/>
-              <a:t>Zwangseinzug </a:t>
-            </a:r>
-            <a:r>
-              <a:rPr lang="de-DE"/>
-              <a:t>/ Kollateralschäden</a:t>
-            </a:r>
-            <a:endParaRPr lang="de-DE" dirty="0"/>
+              <a:t>Allianz gegen Nazi-Deutschland</a:t>
+            </a:r>
           </a:p>
         </p:txBody>
       </p:sp>

--- a/gerechter_krieg_ethik.pptx
+++ b/gerechter_krieg_ethik.pptx
@@ -10537,6 +10537,13 @@
               <a:t>wikipedia.org/wiki/Gerechter_Krieg, abgerufen: 30.06.17</a:t>
             </a:r>
           </a:p>
+          <a:p>
+            <a:pPr>
+              <a:buFont typeface="Arial" panose="020B0604020202020204" pitchFamily="34" charset="0"/>
+              <a:buChar char="•"/>
+            </a:pPr>
+            <a:endParaRPr lang="de-DE" dirty="0"/>
+          </a:p>
         </p:txBody>
       </p:sp>
     </p:spTree>
@@ -11692,7 +11699,7 @@
             </a:pPr>
             <a:r>
               <a:rPr lang="de-DE" dirty="0"/>
-              <a:t>Eine Kriegspartei kann nicht selber eine Eischätzung treffen, es ist immer gerecht</a:t>
+              <a:t>Eine Kriegspartei kann nicht selber eine Einschätzung treffen, es ist immer gerecht</a:t>
             </a:r>
           </a:p>
         </p:txBody>
